--- a/src/images/module-anatomy.pptx
+++ b/src/images/module-anatomy.pptx
@@ -7,14 +7,14 @@
   <p:sldIdLst>
     <p:sldId id="256" r:id="rId2"/>
   </p:sldIdLst>
-  <p:sldSz cx="9144000" cy="6858000" type="screen4x3"/>
+  <p:sldSz cx="36576000" cy="27432000"/>
   <p:notesSz cx="6858000" cy="9144000"/>
   <p:defaultTextStyle>
     <a:defPPr>
       <a:defRPr lang="en-US"/>
     </a:defPPr>
-    <a:lvl1pPr marL="0" algn="l" defTabSz="457200" rtl="0" eaLnBrk="1" latinLnBrk="0" hangingPunct="1">
-      <a:defRPr sz="1800" kern="1200">
+    <a:lvl1pPr marL="0" algn="l" defTabSz="1828800" rtl="0" eaLnBrk="1" latinLnBrk="0" hangingPunct="1">
+      <a:defRPr sz="7200" kern="1200">
         <a:solidFill>
           <a:schemeClr val="tx1"/>
         </a:solidFill>
@@ -23,8 +23,8 @@
         <a:cs typeface="+mn-cs"/>
       </a:defRPr>
     </a:lvl1pPr>
-    <a:lvl2pPr marL="457200" algn="l" defTabSz="457200" rtl="0" eaLnBrk="1" latinLnBrk="0" hangingPunct="1">
-      <a:defRPr sz="1800" kern="1200">
+    <a:lvl2pPr marL="1828800" algn="l" defTabSz="1828800" rtl="0" eaLnBrk="1" latinLnBrk="0" hangingPunct="1">
+      <a:defRPr sz="7200" kern="1200">
         <a:solidFill>
           <a:schemeClr val="tx1"/>
         </a:solidFill>
@@ -33,8 +33,8 @@
         <a:cs typeface="+mn-cs"/>
       </a:defRPr>
     </a:lvl2pPr>
-    <a:lvl3pPr marL="914400" algn="l" defTabSz="457200" rtl="0" eaLnBrk="1" latinLnBrk="0" hangingPunct="1">
-      <a:defRPr sz="1800" kern="1200">
+    <a:lvl3pPr marL="3657600" algn="l" defTabSz="1828800" rtl="0" eaLnBrk="1" latinLnBrk="0" hangingPunct="1">
+      <a:defRPr sz="7200" kern="1200">
         <a:solidFill>
           <a:schemeClr val="tx1"/>
         </a:solidFill>
@@ -43,8 +43,8 @@
         <a:cs typeface="+mn-cs"/>
       </a:defRPr>
     </a:lvl3pPr>
-    <a:lvl4pPr marL="1371600" algn="l" defTabSz="457200" rtl="0" eaLnBrk="1" latinLnBrk="0" hangingPunct="1">
-      <a:defRPr sz="1800" kern="1200">
+    <a:lvl4pPr marL="5486400" algn="l" defTabSz="1828800" rtl="0" eaLnBrk="1" latinLnBrk="0" hangingPunct="1">
+      <a:defRPr sz="7200" kern="1200">
         <a:solidFill>
           <a:schemeClr val="tx1"/>
         </a:solidFill>
@@ -53,8 +53,8 @@
         <a:cs typeface="+mn-cs"/>
       </a:defRPr>
     </a:lvl4pPr>
-    <a:lvl5pPr marL="1828800" algn="l" defTabSz="457200" rtl="0" eaLnBrk="1" latinLnBrk="0" hangingPunct="1">
-      <a:defRPr sz="1800" kern="1200">
+    <a:lvl5pPr marL="7315200" algn="l" defTabSz="1828800" rtl="0" eaLnBrk="1" latinLnBrk="0" hangingPunct="1">
+      <a:defRPr sz="7200" kern="1200">
         <a:solidFill>
           <a:schemeClr val="tx1"/>
         </a:solidFill>
@@ -63,8 +63,8 @@
         <a:cs typeface="+mn-cs"/>
       </a:defRPr>
     </a:lvl5pPr>
-    <a:lvl6pPr marL="2286000" algn="l" defTabSz="457200" rtl="0" eaLnBrk="1" latinLnBrk="0" hangingPunct="1">
-      <a:defRPr sz="1800" kern="1200">
+    <a:lvl6pPr marL="9144000" algn="l" defTabSz="1828800" rtl="0" eaLnBrk="1" latinLnBrk="0" hangingPunct="1">
+      <a:defRPr sz="7200" kern="1200">
         <a:solidFill>
           <a:schemeClr val="tx1"/>
         </a:solidFill>
@@ -73,8 +73,8 @@
         <a:cs typeface="+mn-cs"/>
       </a:defRPr>
     </a:lvl6pPr>
-    <a:lvl7pPr marL="2743200" algn="l" defTabSz="457200" rtl="0" eaLnBrk="1" latinLnBrk="0" hangingPunct="1">
-      <a:defRPr sz="1800" kern="1200">
+    <a:lvl7pPr marL="10972800" algn="l" defTabSz="1828800" rtl="0" eaLnBrk="1" latinLnBrk="0" hangingPunct="1">
+      <a:defRPr sz="7200" kern="1200">
         <a:solidFill>
           <a:schemeClr val="tx1"/>
         </a:solidFill>
@@ -83,8 +83,8 @@
         <a:cs typeface="+mn-cs"/>
       </a:defRPr>
     </a:lvl7pPr>
-    <a:lvl8pPr marL="3200400" algn="l" defTabSz="457200" rtl="0" eaLnBrk="1" latinLnBrk="0" hangingPunct="1">
-      <a:defRPr sz="1800" kern="1200">
+    <a:lvl8pPr marL="12801600" algn="l" defTabSz="1828800" rtl="0" eaLnBrk="1" latinLnBrk="0" hangingPunct="1">
+      <a:defRPr sz="7200" kern="1200">
         <a:solidFill>
           <a:schemeClr val="tx1"/>
         </a:solidFill>
@@ -93,8 +93,8 @@
         <a:cs typeface="+mn-cs"/>
       </a:defRPr>
     </a:lvl8pPr>
-    <a:lvl9pPr marL="3657600" algn="l" defTabSz="457200" rtl="0" eaLnBrk="1" latinLnBrk="0" hangingPunct="1">
-      <a:defRPr sz="1800" kern="1200">
+    <a:lvl9pPr marL="14630400" algn="l" defTabSz="1828800" rtl="0" eaLnBrk="1" latinLnBrk="0" hangingPunct="1">
+      <a:defRPr sz="7200" kern="1200">
         <a:solidFill>
           <a:schemeClr val="tx1"/>
         </a:solidFill>
@@ -136,8 +136,8 @@
         </p:nvSpPr>
         <p:spPr>
           <a:xfrm>
-            <a:off x="685800" y="2130425"/>
-            <a:ext cx="7772400" cy="1470025"/>
+            <a:off x="2743200" y="8521704"/>
+            <a:ext cx="31089600" cy="5880100"/>
           </a:xfrm>
         </p:spPr>
         <p:txBody>
@@ -164,8 +164,8 @@
         </p:nvSpPr>
         <p:spPr>
           <a:xfrm>
-            <a:off x="1371600" y="3886200"/>
-            <a:ext cx="6400800" cy="1752600"/>
+            <a:off x="5486400" y="15544800"/>
+            <a:ext cx="25603200" cy="7010400"/>
           </a:xfrm>
         </p:spPr>
         <p:txBody>
@@ -181,7 +181,7 @@
                 </a:solidFill>
               </a:defRPr>
             </a:lvl1pPr>
-            <a:lvl2pPr marL="457200" indent="0" algn="ctr">
+            <a:lvl2pPr marL="1828800" indent="0" algn="ctr">
               <a:buNone/>
               <a:defRPr>
                 <a:solidFill>
@@ -191,7 +191,7 @@
                 </a:solidFill>
               </a:defRPr>
             </a:lvl2pPr>
-            <a:lvl3pPr marL="914400" indent="0" algn="ctr">
+            <a:lvl3pPr marL="3657600" indent="0" algn="ctr">
               <a:buNone/>
               <a:defRPr>
                 <a:solidFill>
@@ -201,7 +201,7 @@
                 </a:solidFill>
               </a:defRPr>
             </a:lvl3pPr>
-            <a:lvl4pPr marL="1371600" indent="0" algn="ctr">
+            <a:lvl4pPr marL="5486400" indent="0" algn="ctr">
               <a:buNone/>
               <a:defRPr>
                 <a:solidFill>
@@ -211,7 +211,7 @@
                 </a:solidFill>
               </a:defRPr>
             </a:lvl4pPr>
-            <a:lvl5pPr marL="1828800" indent="0" algn="ctr">
+            <a:lvl5pPr marL="7315200" indent="0" algn="ctr">
               <a:buNone/>
               <a:defRPr>
                 <a:solidFill>
@@ -221,7 +221,7 @@
                 </a:solidFill>
               </a:defRPr>
             </a:lvl5pPr>
-            <a:lvl6pPr marL="2286000" indent="0" algn="ctr">
+            <a:lvl6pPr marL="9144000" indent="0" algn="ctr">
               <a:buNone/>
               <a:defRPr>
                 <a:solidFill>
@@ -231,7 +231,7 @@
                 </a:solidFill>
               </a:defRPr>
             </a:lvl6pPr>
-            <a:lvl7pPr marL="2743200" indent="0" algn="ctr">
+            <a:lvl7pPr marL="10972800" indent="0" algn="ctr">
               <a:buNone/>
               <a:defRPr>
                 <a:solidFill>
@@ -241,7 +241,7 @@
                 </a:solidFill>
               </a:defRPr>
             </a:lvl7pPr>
-            <a:lvl8pPr marL="3200400" indent="0" algn="ctr">
+            <a:lvl8pPr marL="12801600" indent="0" algn="ctr">
               <a:buNone/>
               <a:defRPr>
                 <a:solidFill>
@@ -251,7 +251,7 @@
                 </a:solidFill>
               </a:defRPr>
             </a:lvl8pPr>
-            <a:lvl9pPr marL="3657600" indent="0" algn="ctr">
+            <a:lvl9pPr marL="14630400" indent="0" algn="ctr">
               <a:buNone/>
               <a:defRPr>
                 <a:solidFill>
@@ -286,9 +286,9 @@
           <a:bodyPr/>
           <a:lstStyle/>
           <a:p>
-            <a:fld id="{DFBA49C8-542E-7B43-A8CA-C2288AFF1143}" type="datetimeFigureOut">
-              <a:rPr lang="en-US" smtClean="0"/>
-              <a:t>4/23/14</a:t>
+            <a:fld id="{399FEC6E-966C-BD4F-9782-CBD5DA065BB6}" type="datetimeFigureOut">
+              <a:rPr lang="en-US" smtClean="0"/>
+              <a:t>4/24/14</a:t>
             </a:fld>
             <a:endParaRPr lang="en-US"/>
           </a:p>
@@ -328,7 +328,7 @@
           <a:bodyPr/>
           <a:lstStyle/>
           <a:p>
-            <a:fld id="{A37FA987-D601-D046-A778-11778874F5F5}" type="slidenum">
+            <a:fld id="{2765A374-7F24-F547-BFCF-472E754E468D}" type="slidenum">
               <a:rPr lang="en-US" smtClean="0"/>
               <a:t>‹#›</a:t>
             </a:fld>
@@ -339,7 +339,7 @@
     </p:spTree>
     <p:extLst>
       <p:ext uri="{BB962C8B-B14F-4D97-AF65-F5344CB8AC3E}">
-        <p14:creationId xmlns:p14="http://schemas.microsoft.com/office/powerpoint/2010/main" val="1839503178"/>
+        <p14:creationId xmlns:p14="http://schemas.microsoft.com/office/powerpoint/2010/main" val="1405881199"/>
       </p:ext>
     </p:extLst>
   </p:cSld>
@@ -456,9 +456,9 @@
           <a:bodyPr/>
           <a:lstStyle/>
           <a:p>
-            <a:fld id="{DFBA49C8-542E-7B43-A8CA-C2288AFF1143}" type="datetimeFigureOut">
-              <a:rPr lang="en-US" smtClean="0"/>
-              <a:t>4/23/14</a:t>
+            <a:fld id="{399FEC6E-966C-BD4F-9782-CBD5DA065BB6}" type="datetimeFigureOut">
+              <a:rPr lang="en-US" smtClean="0"/>
+              <a:t>4/24/14</a:t>
             </a:fld>
             <a:endParaRPr lang="en-US"/>
           </a:p>
@@ -498,7 +498,7 @@
           <a:bodyPr/>
           <a:lstStyle/>
           <a:p>
-            <a:fld id="{A37FA987-D601-D046-A778-11778874F5F5}" type="slidenum">
+            <a:fld id="{2765A374-7F24-F547-BFCF-472E754E468D}" type="slidenum">
               <a:rPr lang="en-US" smtClean="0"/>
               <a:t>‹#›</a:t>
             </a:fld>
@@ -509,7 +509,7 @@
     </p:spTree>
     <p:extLst>
       <p:ext uri="{BB962C8B-B14F-4D97-AF65-F5344CB8AC3E}">
-        <p14:creationId xmlns:p14="http://schemas.microsoft.com/office/powerpoint/2010/main" val="2527566050"/>
+        <p14:creationId xmlns:p14="http://schemas.microsoft.com/office/powerpoint/2010/main" val="1848615902"/>
       </p:ext>
     </p:extLst>
   </p:cSld>
@@ -548,8 +548,8 @@
         </p:nvSpPr>
         <p:spPr>
           <a:xfrm>
-            <a:off x="6629400" y="274638"/>
-            <a:ext cx="2057400" cy="5851525"/>
+            <a:off x="79552800" y="5861055"/>
+            <a:ext cx="24688800" cy="124828300"/>
           </a:xfrm>
         </p:spPr>
         <p:txBody>
@@ -576,8 +576,8 @@
         </p:nvSpPr>
         <p:spPr>
           <a:xfrm>
-            <a:off x="457200" y="274638"/>
-            <a:ext cx="6019800" cy="5851525"/>
+            <a:off x="5486400" y="5861055"/>
+            <a:ext cx="73456800" cy="124828300"/>
           </a:xfrm>
         </p:spPr>
         <p:txBody>
@@ -636,9 +636,9 @@
           <a:bodyPr/>
           <a:lstStyle/>
           <a:p>
-            <a:fld id="{DFBA49C8-542E-7B43-A8CA-C2288AFF1143}" type="datetimeFigureOut">
-              <a:rPr lang="en-US" smtClean="0"/>
-              <a:t>4/23/14</a:t>
+            <a:fld id="{399FEC6E-966C-BD4F-9782-CBD5DA065BB6}" type="datetimeFigureOut">
+              <a:rPr lang="en-US" smtClean="0"/>
+              <a:t>4/24/14</a:t>
             </a:fld>
             <a:endParaRPr lang="en-US"/>
           </a:p>
@@ -678,7 +678,7 @@
           <a:bodyPr/>
           <a:lstStyle/>
           <a:p>
-            <a:fld id="{A37FA987-D601-D046-A778-11778874F5F5}" type="slidenum">
+            <a:fld id="{2765A374-7F24-F547-BFCF-472E754E468D}" type="slidenum">
               <a:rPr lang="en-US" smtClean="0"/>
               <a:t>‹#›</a:t>
             </a:fld>
@@ -689,7 +689,7 @@
     </p:spTree>
     <p:extLst>
       <p:ext uri="{BB962C8B-B14F-4D97-AF65-F5344CB8AC3E}">
-        <p14:creationId xmlns:p14="http://schemas.microsoft.com/office/powerpoint/2010/main" val="3400753021"/>
+        <p14:creationId xmlns:p14="http://schemas.microsoft.com/office/powerpoint/2010/main" val="2306675029"/>
       </p:ext>
     </p:extLst>
   </p:cSld>
@@ -806,9 +806,9 @@
           <a:bodyPr/>
           <a:lstStyle/>
           <a:p>
-            <a:fld id="{DFBA49C8-542E-7B43-A8CA-C2288AFF1143}" type="datetimeFigureOut">
-              <a:rPr lang="en-US" smtClean="0"/>
-              <a:t>4/23/14</a:t>
+            <a:fld id="{399FEC6E-966C-BD4F-9782-CBD5DA065BB6}" type="datetimeFigureOut">
+              <a:rPr lang="en-US" smtClean="0"/>
+              <a:t>4/24/14</a:t>
             </a:fld>
             <a:endParaRPr lang="en-US"/>
           </a:p>
@@ -848,7 +848,7 @@
           <a:bodyPr/>
           <a:lstStyle/>
           <a:p>
-            <a:fld id="{A37FA987-D601-D046-A778-11778874F5F5}" type="slidenum">
+            <a:fld id="{2765A374-7F24-F547-BFCF-472E754E468D}" type="slidenum">
               <a:rPr lang="en-US" smtClean="0"/>
               <a:t>‹#›</a:t>
             </a:fld>
@@ -859,7 +859,7 @@
     </p:spTree>
     <p:extLst>
       <p:ext uri="{BB962C8B-B14F-4D97-AF65-F5344CB8AC3E}">
-        <p14:creationId xmlns:p14="http://schemas.microsoft.com/office/powerpoint/2010/main" val="162797775"/>
+        <p14:creationId xmlns:p14="http://schemas.microsoft.com/office/powerpoint/2010/main" val="1433766612"/>
       </p:ext>
     </p:extLst>
   </p:cSld>
@@ -898,15 +898,15 @@
         </p:nvSpPr>
         <p:spPr>
           <a:xfrm>
-            <a:off x="722313" y="4406900"/>
-            <a:ext cx="7772400" cy="1362075"/>
+            <a:off x="2889252" y="17627602"/>
+            <a:ext cx="31089600" cy="5448300"/>
           </a:xfrm>
         </p:spPr>
         <p:txBody>
           <a:bodyPr anchor="t"/>
           <a:lstStyle>
             <a:lvl1pPr algn="l">
-              <a:defRPr sz="4000" b="1" cap="all"/>
+              <a:defRPr sz="16000" b="1" cap="all"/>
             </a:lvl1pPr>
           </a:lstStyle>
           <a:p>
@@ -930,8 +930,8 @@
         </p:nvSpPr>
         <p:spPr>
           <a:xfrm>
-            <a:off x="722313" y="2906713"/>
-            <a:ext cx="7772400" cy="1500187"/>
+            <a:off x="2889252" y="11626854"/>
+            <a:ext cx="31089600" cy="6000748"/>
           </a:xfrm>
         </p:spPr>
         <p:txBody>
@@ -939,7 +939,7 @@
           <a:lstStyle>
             <a:lvl1pPr marL="0" indent="0">
               <a:buNone/>
-              <a:defRPr sz="2000">
+              <a:defRPr sz="8000">
                 <a:solidFill>
                   <a:schemeClr val="tx1">
                     <a:tint val="75000"/>
@@ -947,9 +947,9 @@
                 </a:solidFill>
               </a:defRPr>
             </a:lvl1pPr>
-            <a:lvl2pPr marL="457200" indent="0">
-              <a:buNone/>
-              <a:defRPr sz="1800">
+            <a:lvl2pPr marL="1828800" indent="0">
+              <a:buNone/>
+              <a:defRPr sz="7200">
                 <a:solidFill>
                   <a:schemeClr val="tx1">
                     <a:tint val="75000"/>
@@ -957,9 +957,9 @@
                 </a:solidFill>
               </a:defRPr>
             </a:lvl2pPr>
-            <a:lvl3pPr marL="914400" indent="0">
-              <a:buNone/>
-              <a:defRPr sz="1600">
+            <a:lvl3pPr marL="3657600" indent="0">
+              <a:buNone/>
+              <a:defRPr sz="6400">
                 <a:solidFill>
                   <a:schemeClr val="tx1">
                     <a:tint val="75000"/>
@@ -967,9 +967,9 @@
                 </a:solidFill>
               </a:defRPr>
             </a:lvl3pPr>
-            <a:lvl4pPr marL="1371600" indent="0">
-              <a:buNone/>
-              <a:defRPr sz="1400">
+            <a:lvl4pPr marL="5486400" indent="0">
+              <a:buNone/>
+              <a:defRPr sz="5600">
                 <a:solidFill>
                   <a:schemeClr val="tx1">
                     <a:tint val="75000"/>
@@ -977,9 +977,9 @@
                 </a:solidFill>
               </a:defRPr>
             </a:lvl4pPr>
-            <a:lvl5pPr marL="1828800" indent="0">
-              <a:buNone/>
-              <a:defRPr sz="1400">
+            <a:lvl5pPr marL="7315200" indent="0">
+              <a:buNone/>
+              <a:defRPr sz="5600">
                 <a:solidFill>
                   <a:schemeClr val="tx1">
                     <a:tint val="75000"/>
@@ -987,9 +987,9 @@
                 </a:solidFill>
               </a:defRPr>
             </a:lvl5pPr>
-            <a:lvl6pPr marL="2286000" indent="0">
-              <a:buNone/>
-              <a:defRPr sz="1400">
+            <a:lvl6pPr marL="9144000" indent="0">
+              <a:buNone/>
+              <a:defRPr sz="5600">
                 <a:solidFill>
                   <a:schemeClr val="tx1">
                     <a:tint val="75000"/>
@@ -997,9 +997,9 @@
                 </a:solidFill>
               </a:defRPr>
             </a:lvl6pPr>
-            <a:lvl7pPr marL="2743200" indent="0">
-              <a:buNone/>
-              <a:defRPr sz="1400">
+            <a:lvl7pPr marL="10972800" indent="0">
+              <a:buNone/>
+              <a:defRPr sz="5600">
                 <a:solidFill>
                   <a:schemeClr val="tx1">
                     <a:tint val="75000"/>
@@ -1007,9 +1007,9 @@
                 </a:solidFill>
               </a:defRPr>
             </a:lvl7pPr>
-            <a:lvl8pPr marL="3200400" indent="0">
-              <a:buNone/>
-              <a:defRPr sz="1400">
+            <a:lvl8pPr marL="12801600" indent="0">
+              <a:buNone/>
+              <a:defRPr sz="5600">
                 <a:solidFill>
                   <a:schemeClr val="tx1">
                     <a:tint val="75000"/>
@@ -1017,9 +1017,9 @@
                 </a:solidFill>
               </a:defRPr>
             </a:lvl8pPr>
-            <a:lvl9pPr marL="3657600" indent="0">
-              <a:buNone/>
-              <a:defRPr sz="1400">
+            <a:lvl9pPr marL="14630400" indent="0">
+              <a:buNone/>
+              <a:defRPr sz="5600">
                 <a:solidFill>
                   <a:schemeClr val="tx1">
                     <a:tint val="75000"/>
@@ -1052,9 +1052,9 @@
           <a:bodyPr/>
           <a:lstStyle/>
           <a:p>
-            <a:fld id="{DFBA49C8-542E-7B43-A8CA-C2288AFF1143}" type="datetimeFigureOut">
-              <a:rPr lang="en-US" smtClean="0"/>
-              <a:t>4/23/14</a:t>
+            <a:fld id="{399FEC6E-966C-BD4F-9782-CBD5DA065BB6}" type="datetimeFigureOut">
+              <a:rPr lang="en-US" smtClean="0"/>
+              <a:t>4/24/14</a:t>
             </a:fld>
             <a:endParaRPr lang="en-US"/>
           </a:p>
@@ -1094,7 +1094,7 @@
           <a:bodyPr/>
           <a:lstStyle/>
           <a:p>
-            <a:fld id="{A37FA987-D601-D046-A778-11778874F5F5}" type="slidenum">
+            <a:fld id="{2765A374-7F24-F547-BFCF-472E754E468D}" type="slidenum">
               <a:rPr lang="en-US" smtClean="0"/>
               <a:t>‹#›</a:t>
             </a:fld>
@@ -1105,7 +1105,7 @@
     </p:spTree>
     <p:extLst>
       <p:ext uri="{BB962C8B-B14F-4D97-AF65-F5344CB8AC3E}">
-        <p14:creationId xmlns:p14="http://schemas.microsoft.com/office/powerpoint/2010/main" val="3999722579"/>
+        <p14:creationId xmlns:p14="http://schemas.microsoft.com/office/powerpoint/2010/main" val="167385152"/>
       </p:ext>
     </p:extLst>
   </p:cSld>
@@ -1167,39 +1167,39 @@
         </p:nvSpPr>
         <p:spPr>
           <a:xfrm>
-            <a:off x="457200" y="1600200"/>
-            <a:ext cx="4038600" cy="4525963"/>
+            <a:off x="5486400" y="34137600"/>
+            <a:ext cx="49072800" cy="96551752"/>
           </a:xfrm>
         </p:spPr>
         <p:txBody>
           <a:bodyPr/>
           <a:lstStyle>
             <a:lvl1pPr>
-              <a:defRPr sz="2800"/>
+              <a:defRPr sz="11200"/>
             </a:lvl1pPr>
             <a:lvl2pPr>
-              <a:defRPr sz="2400"/>
+              <a:defRPr sz="9600"/>
             </a:lvl2pPr>
             <a:lvl3pPr>
-              <a:defRPr sz="2000"/>
+              <a:defRPr sz="8000"/>
             </a:lvl3pPr>
             <a:lvl4pPr>
-              <a:defRPr sz="1800"/>
+              <a:defRPr sz="7200"/>
             </a:lvl4pPr>
             <a:lvl5pPr>
-              <a:defRPr sz="1800"/>
+              <a:defRPr sz="7200"/>
             </a:lvl5pPr>
             <a:lvl6pPr>
-              <a:defRPr sz="1800"/>
+              <a:defRPr sz="7200"/>
             </a:lvl6pPr>
             <a:lvl7pPr>
-              <a:defRPr sz="1800"/>
+              <a:defRPr sz="7200"/>
             </a:lvl7pPr>
             <a:lvl8pPr>
-              <a:defRPr sz="1800"/>
+              <a:defRPr sz="7200"/>
             </a:lvl8pPr>
             <a:lvl9pPr>
-              <a:defRPr sz="1800"/>
+              <a:defRPr sz="7200"/>
             </a:lvl9pPr>
           </a:lstStyle>
           <a:p>
@@ -1252,39 +1252,39 @@
         </p:nvSpPr>
         <p:spPr>
           <a:xfrm>
-            <a:off x="4648200" y="1600200"/>
-            <a:ext cx="4038600" cy="4525963"/>
+            <a:off x="55168800" y="34137600"/>
+            <a:ext cx="49072800" cy="96551752"/>
           </a:xfrm>
         </p:spPr>
         <p:txBody>
           <a:bodyPr/>
           <a:lstStyle>
             <a:lvl1pPr>
-              <a:defRPr sz="2800"/>
+              <a:defRPr sz="11200"/>
             </a:lvl1pPr>
             <a:lvl2pPr>
-              <a:defRPr sz="2400"/>
+              <a:defRPr sz="9600"/>
             </a:lvl2pPr>
             <a:lvl3pPr>
-              <a:defRPr sz="2000"/>
+              <a:defRPr sz="8000"/>
             </a:lvl3pPr>
             <a:lvl4pPr>
-              <a:defRPr sz="1800"/>
+              <a:defRPr sz="7200"/>
             </a:lvl4pPr>
             <a:lvl5pPr>
-              <a:defRPr sz="1800"/>
+              <a:defRPr sz="7200"/>
             </a:lvl5pPr>
             <a:lvl6pPr>
-              <a:defRPr sz="1800"/>
+              <a:defRPr sz="7200"/>
             </a:lvl6pPr>
             <a:lvl7pPr>
-              <a:defRPr sz="1800"/>
+              <a:defRPr sz="7200"/>
             </a:lvl7pPr>
             <a:lvl8pPr>
-              <a:defRPr sz="1800"/>
+              <a:defRPr sz="7200"/>
             </a:lvl8pPr>
             <a:lvl9pPr>
-              <a:defRPr sz="1800"/>
+              <a:defRPr sz="7200"/>
             </a:lvl9pPr>
           </a:lstStyle>
           <a:p>
@@ -1340,9 +1340,9 @@
           <a:bodyPr/>
           <a:lstStyle/>
           <a:p>
-            <a:fld id="{DFBA49C8-542E-7B43-A8CA-C2288AFF1143}" type="datetimeFigureOut">
-              <a:rPr lang="en-US" smtClean="0"/>
-              <a:t>4/23/14</a:t>
+            <a:fld id="{399FEC6E-966C-BD4F-9782-CBD5DA065BB6}" type="datetimeFigureOut">
+              <a:rPr lang="en-US" smtClean="0"/>
+              <a:t>4/24/14</a:t>
             </a:fld>
             <a:endParaRPr lang="en-US"/>
           </a:p>
@@ -1382,7 +1382,7 @@
           <a:bodyPr/>
           <a:lstStyle/>
           <a:p>
-            <a:fld id="{A37FA987-D601-D046-A778-11778874F5F5}" type="slidenum">
+            <a:fld id="{2765A374-7F24-F547-BFCF-472E754E468D}" type="slidenum">
               <a:rPr lang="en-US" smtClean="0"/>
               <a:t>‹#›</a:t>
             </a:fld>
@@ -1393,7 +1393,7 @@
     </p:spTree>
     <p:extLst>
       <p:ext uri="{BB962C8B-B14F-4D97-AF65-F5344CB8AC3E}">
-        <p14:creationId xmlns:p14="http://schemas.microsoft.com/office/powerpoint/2010/main" val="1291286709"/>
+        <p14:creationId xmlns:p14="http://schemas.microsoft.com/office/powerpoint/2010/main" val="1437912031"/>
       </p:ext>
     </p:extLst>
   </p:cSld>
@@ -1430,7 +1430,12 @@
             <p:ph type="title"/>
           </p:nvPr>
         </p:nvSpPr>
-        <p:spPr/>
+        <p:spPr>
+          <a:xfrm>
+            <a:off x="1828800" y="1098552"/>
+            <a:ext cx="32918400" cy="4572000"/>
+          </a:xfrm>
+        </p:spPr>
         <p:txBody>
           <a:bodyPr/>
           <a:lstStyle>
@@ -1459,8 +1464,8 @@
         </p:nvSpPr>
         <p:spPr>
           <a:xfrm>
-            <a:off x="457200" y="1535113"/>
-            <a:ext cx="4040188" cy="639762"/>
+            <a:off x="1828800" y="6140452"/>
+            <a:ext cx="16160752" cy="2559048"/>
           </a:xfrm>
         </p:spPr>
         <p:txBody>
@@ -1468,39 +1473,39 @@
           <a:lstStyle>
             <a:lvl1pPr marL="0" indent="0">
               <a:buNone/>
-              <a:defRPr sz="2400" b="1"/>
+              <a:defRPr sz="9600" b="1"/>
             </a:lvl1pPr>
-            <a:lvl2pPr marL="457200" indent="0">
-              <a:buNone/>
-              <a:defRPr sz="2000" b="1"/>
+            <a:lvl2pPr marL="1828800" indent="0">
+              <a:buNone/>
+              <a:defRPr sz="8000" b="1"/>
             </a:lvl2pPr>
-            <a:lvl3pPr marL="914400" indent="0">
-              <a:buNone/>
-              <a:defRPr sz="1800" b="1"/>
+            <a:lvl3pPr marL="3657600" indent="0">
+              <a:buNone/>
+              <a:defRPr sz="7200" b="1"/>
             </a:lvl3pPr>
-            <a:lvl4pPr marL="1371600" indent="0">
-              <a:buNone/>
-              <a:defRPr sz="1600" b="1"/>
+            <a:lvl4pPr marL="5486400" indent="0">
+              <a:buNone/>
+              <a:defRPr sz="6400" b="1"/>
             </a:lvl4pPr>
-            <a:lvl5pPr marL="1828800" indent="0">
-              <a:buNone/>
-              <a:defRPr sz="1600" b="1"/>
+            <a:lvl5pPr marL="7315200" indent="0">
+              <a:buNone/>
+              <a:defRPr sz="6400" b="1"/>
             </a:lvl5pPr>
-            <a:lvl6pPr marL="2286000" indent="0">
-              <a:buNone/>
-              <a:defRPr sz="1600" b="1"/>
+            <a:lvl6pPr marL="9144000" indent="0">
+              <a:buNone/>
+              <a:defRPr sz="6400" b="1"/>
             </a:lvl6pPr>
-            <a:lvl7pPr marL="2743200" indent="0">
-              <a:buNone/>
-              <a:defRPr sz="1600" b="1"/>
+            <a:lvl7pPr marL="10972800" indent="0">
+              <a:buNone/>
+              <a:defRPr sz="6400" b="1"/>
             </a:lvl7pPr>
-            <a:lvl8pPr marL="3200400" indent="0">
-              <a:buNone/>
-              <a:defRPr sz="1600" b="1"/>
+            <a:lvl8pPr marL="12801600" indent="0">
+              <a:buNone/>
+              <a:defRPr sz="6400" b="1"/>
             </a:lvl8pPr>
-            <a:lvl9pPr marL="3657600" indent="0">
-              <a:buNone/>
-              <a:defRPr sz="1600" b="1"/>
+            <a:lvl9pPr marL="14630400" indent="0">
+              <a:buNone/>
+              <a:defRPr sz="6400" b="1"/>
             </a:lvl9pPr>
           </a:lstStyle>
           <a:p>
@@ -1524,39 +1529,39 @@
         </p:nvSpPr>
         <p:spPr>
           <a:xfrm>
-            <a:off x="457200" y="2174875"/>
-            <a:ext cx="4040188" cy="3951288"/>
+            <a:off x="1828800" y="8699500"/>
+            <a:ext cx="16160752" cy="15805152"/>
           </a:xfrm>
         </p:spPr>
         <p:txBody>
           <a:bodyPr/>
           <a:lstStyle>
             <a:lvl1pPr>
-              <a:defRPr sz="2400"/>
+              <a:defRPr sz="9600"/>
             </a:lvl1pPr>
             <a:lvl2pPr>
-              <a:defRPr sz="2000"/>
+              <a:defRPr sz="8000"/>
             </a:lvl2pPr>
             <a:lvl3pPr>
-              <a:defRPr sz="1800"/>
+              <a:defRPr sz="7200"/>
             </a:lvl3pPr>
             <a:lvl4pPr>
-              <a:defRPr sz="1600"/>
+              <a:defRPr sz="6400"/>
             </a:lvl4pPr>
             <a:lvl5pPr>
-              <a:defRPr sz="1600"/>
+              <a:defRPr sz="6400"/>
             </a:lvl5pPr>
             <a:lvl6pPr>
-              <a:defRPr sz="1600"/>
+              <a:defRPr sz="6400"/>
             </a:lvl6pPr>
             <a:lvl7pPr>
-              <a:defRPr sz="1600"/>
+              <a:defRPr sz="6400"/>
             </a:lvl7pPr>
             <a:lvl8pPr>
-              <a:defRPr sz="1600"/>
+              <a:defRPr sz="6400"/>
             </a:lvl8pPr>
             <a:lvl9pPr>
-              <a:defRPr sz="1600"/>
+              <a:defRPr sz="6400"/>
             </a:lvl9pPr>
           </a:lstStyle>
           <a:p>
@@ -1609,8 +1614,8 @@
         </p:nvSpPr>
         <p:spPr>
           <a:xfrm>
-            <a:off x="4645025" y="1535113"/>
-            <a:ext cx="4041775" cy="639762"/>
+            <a:off x="18580103" y="6140452"/>
+            <a:ext cx="16167100" cy="2559048"/>
           </a:xfrm>
         </p:spPr>
         <p:txBody>
@@ -1618,39 +1623,39 @@
           <a:lstStyle>
             <a:lvl1pPr marL="0" indent="0">
               <a:buNone/>
-              <a:defRPr sz="2400" b="1"/>
+              <a:defRPr sz="9600" b="1"/>
             </a:lvl1pPr>
-            <a:lvl2pPr marL="457200" indent="0">
-              <a:buNone/>
-              <a:defRPr sz="2000" b="1"/>
+            <a:lvl2pPr marL="1828800" indent="0">
+              <a:buNone/>
+              <a:defRPr sz="8000" b="1"/>
             </a:lvl2pPr>
-            <a:lvl3pPr marL="914400" indent="0">
-              <a:buNone/>
-              <a:defRPr sz="1800" b="1"/>
+            <a:lvl3pPr marL="3657600" indent="0">
+              <a:buNone/>
+              <a:defRPr sz="7200" b="1"/>
             </a:lvl3pPr>
-            <a:lvl4pPr marL="1371600" indent="0">
-              <a:buNone/>
-              <a:defRPr sz="1600" b="1"/>
+            <a:lvl4pPr marL="5486400" indent="0">
+              <a:buNone/>
+              <a:defRPr sz="6400" b="1"/>
             </a:lvl4pPr>
-            <a:lvl5pPr marL="1828800" indent="0">
-              <a:buNone/>
-              <a:defRPr sz="1600" b="1"/>
+            <a:lvl5pPr marL="7315200" indent="0">
+              <a:buNone/>
+              <a:defRPr sz="6400" b="1"/>
             </a:lvl5pPr>
-            <a:lvl6pPr marL="2286000" indent="0">
-              <a:buNone/>
-              <a:defRPr sz="1600" b="1"/>
+            <a:lvl6pPr marL="9144000" indent="0">
+              <a:buNone/>
+              <a:defRPr sz="6400" b="1"/>
             </a:lvl6pPr>
-            <a:lvl7pPr marL="2743200" indent="0">
-              <a:buNone/>
-              <a:defRPr sz="1600" b="1"/>
+            <a:lvl7pPr marL="10972800" indent="0">
+              <a:buNone/>
+              <a:defRPr sz="6400" b="1"/>
             </a:lvl7pPr>
-            <a:lvl8pPr marL="3200400" indent="0">
-              <a:buNone/>
-              <a:defRPr sz="1600" b="1"/>
+            <a:lvl8pPr marL="12801600" indent="0">
+              <a:buNone/>
+              <a:defRPr sz="6400" b="1"/>
             </a:lvl8pPr>
-            <a:lvl9pPr marL="3657600" indent="0">
-              <a:buNone/>
-              <a:defRPr sz="1600" b="1"/>
+            <a:lvl9pPr marL="14630400" indent="0">
+              <a:buNone/>
+              <a:defRPr sz="6400" b="1"/>
             </a:lvl9pPr>
           </a:lstStyle>
           <a:p>
@@ -1674,39 +1679,39 @@
         </p:nvSpPr>
         <p:spPr>
           <a:xfrm>
-            <a:off x="4645025" y="2174875"/>
-            <a:ext cx="4041775" cy="3951288"/>
+            <a:off x="18580103" y="8699500"/>
+            <a:ext cx="16167100" cy="15805152"/>
           </a:xfrm>
         </p:spPr>
         <p:txBody>
           <a:bodyPr/>
           <a:lstStyle>
             <a:lvl1pPr>
-              <a:defRPr sz="2400"/>
+              <a:defRPr sz="9600"/>
             </a:lvl1pPr>
             <a:lvl2pPr>
-              <a:defRPr sz="2000"/>
+              <a:defRPr sz="8000"/>
             </a:lvl2pPr>
             <a:lvl3pPr>
-              <a:defRPr sz="1800"/>
+              <a:defRPr sz="7200"/>
             </a:lvl3pPr>
             <a:lvl4pPr>
-              <a:defRPr sz="1600"/>
+              <a:defRPr sz="6400"/>
             </a:lvl4pPr>
             <a:lvl5pPr>
-              <a:defRPr sz="1600"/>
+              <a:defRPr sz="6400"/>
             </a:lvl5pPr>
             <a:lvl6pPr>
-              <a:defRPr sz="1600"/>
+              <a:defRPr sz="6400"/>
             </a:lvl6pPr>
             <a:lvl7pPr>
-              <a:defRPr sz="1600"/>
+              <a:defRPr sz="6400"/>
             </a:lvl7pPr>
             <a:lvl8pPr>
-              <a:defRPr sz="1600"/>
+              <a:defRPr sz="6400"/>
             </a:lvl8pPr>
             <a:lvl9pPr>
-              <a:defRPr sz="1600"/>
+              <a:defRPr sz="6400"/>
             </a:lvl9pPr>
           </a:lstStyle>
           <a:p>
@@ -1762,9 +1767,9 @@
           <a:bodyPr/>
           <a:lstStyle/>
           <a:p>
-            <a:fld id="{DFBA49C8-542E-7B43-A8CA-C2288AFF1143}" type="datetimeFigureOut">
-              <a:rPr lang="en-US" smtClean="0"/>
-              <a:t>4/23/14</a:t>
+            <a:fld id="{399FEC6E-966C-BD4F-9782-CBD5DA065BB6}" type="datetimeFigureOut">
+              <a:rPr lang="en-US" smtClean="0"/>
+              <a:t>4/24/14</a:t>
             </a:fld>
             <a:endParaRPr lang="en-US"/>
           </a:p>
@@ -1804,7 +1809,7 @@
           <a:bodyPr/>
           <a:lstStyle/>
           <a:p>
-            <a:fld id="{A37FA987-D601-D046-A778-11778874F5F5}" type="slidenum">
+            <a:fld id="{2765A374-7F24-F547-BFCF-472E754E468D}" type="slidenum">
               <a:rPr lang="en-US" smtClean="0"/>
               <a:t>‹#›</a:t>
             </a:fld>
@@ -1815,7 +1820,7 @@
     </p:spTree>
     <p:extLst>
       <p:ext uri="{BB962C8B-B14F-4D97-AF65-F5344CB8AC3E}">
-        <p14:creationId xmlns:p14="http://schemas.microsoft.com/office/powerpoint/2010/main" val="4106184272"/>
+        <p14:creationId xmlns:p14="http://schemas.microsoft.com/office/powerpoint/2010/main" val="2579951900"/>
       </p:ext>
     </p:extLst>
   </p:cSld>
@@ -1880,9 +1885,9 @@
           <a:bodyPr/>
           <a:lstStyle/>
           <a:p>
-            <a:fld id="{DFBA49C8-542E-7B43-A8CA-C2288AFF1143}" type="datetimeFigureOut">
-              <a:rPr lang="en-US" smtClean="0"/>
-              <a:t>4/23/14</a:t>
+            <a:fld id="{399FEC6E-966C-BD4F-9782-CBD5DA065BB6}" type="datetimeFigureOut">
+              <a:rPr lang="en-US" smtClean="0"/>
+              <a:t>4/24/14</a:t>
             </a:fld>
             <a:endParaRPr lang="en-US"/>
           </a:p>
@@ -1922,7 +1927,7 @@
           <a:bodyPr/>
           <a:lstStyle/>
           <a:p>
-            <a:fld id="{A37FA987-D601-D046-A778-11778874F5F5}" type="slidenum">
+            <a:fld id="{2765A374-7F24-F547-BFCF-472E754E468D}" type="slidenum">
               <a:rPr lang="en-US" smtClean="0"/>
               <a:t>‹#›</a:t>
             </a:fld>
@@ -1933,7 +1938,7 @@
     </p:spTree>
     <p:extLst>
       <p:ext uri="{BB962C8B-B14F-4D97-AF65-F5344CB8AC3E}">
-        <p14:creationId xmlns:p14="http://schemas.microsoft.com/office/powerpoint/2010/main" val="3430003757"/>
+        <p14:creationId xmlns:p14="http://schemas.microsoft.com/office/powerpoint/2010/main" val="4028938326"/>
       </p:ext>
     </p:extLst>
   </p:cSld>
@@ -1975,9 +1980,9 @@
           <a:bodyPr/>
           <a:lstStyle/>
           <a:p>
-            <a:fld id="{DFBA49C8-542E-7B43-A8CA-C2288AFF1143}" type="datetimeFigureOut">
-              <a:rPr lang="en-US" smtClean="0"/>
-              <a:t>4/23/14</a:t>
+            <a:fld id="{399FEC6E-966C-BD4F-9782-CBD5DA065BB6}" type="datetimeFigureOut">
+              <a:rPr lang="en-US" smtClean="0"/>
+              <a:t>4/24/14</a:t>
             </a:fld>
             <a:endParaRPr lang="en-US"/>
           </a:p>
@@ -2017,7 +2022,7 @@
           <a:bodyPr/>
           <a:lstStyle/>
           <a:p>
-            <a:fld id="{A37FA987-D601-D046-A778-11778874F5F5}" type="slidenum">
+            <a:fld id="{2765A374-7F24-F547-BFCF-472E754E468D}" type="slidenum">
               <a:rPr lang="en-US" smtClean="0"/>
               <a:t>‹#›</a:t>
             </a:fld>
@@ -2028,7 +2033,7 @@
     </p:spTree>
     <p:extLst>
       <p:ext uri="{BB962C8B-B14F-4D97-AF65-F5344CB8AC3E}">
-        <p14:creationId xmlns:p14="http://schemas.microsoft.com/office/powerpoint/2010/main" val="2676682017"/>
+        <p14:creationId xmlns:p14="http://schemas.microsoft.com/office/powerpoint/2010/main" val="710556342"/>
       </p:ext>
     </p:extLst>
   </p:cSld>
@@ -2067,15 +2072,15 @@
         </p:nvSpPr>
         <p:spPr>
           <a:xfrm>
-            <a:off x="457200" y="273050"/>
-            <a:ext cx="3008313" cy="1162050"/>
+            <a:off x="1828803" y="1092200"/>
+            <a:ext cx="12033252" cy="4648200"/>
           </a:xfrm>
         </p:spPr>
         <p:txBody>
           <a:bodyPr anchor="b"/>
           <a:lstStyle>
             <a:lvl1pPr algn="l">
-              <a:defRPr sz="2000" b="1"/>
+              <a:defRPr sz="8000" b="1"/>
             </a:lvl1pPr>
           </a:lstStyle>
           <a:p>
@@ -2099,39 +2104,39 @@
         </p:nvSpPr>
         <p:spPr>
           <a:xfrm>
-            <a:off x="3575050" y="273050"/>
-            <a:ext cx="5111750" cy="5853113"/>
+            <a:off x="14300200" y="1092202"/>
+            <a:ext cx="20447000" cy="23412452"/>
           </a:xfrm>
         </p:spPr>
         <p:txBody>
           <a:bodyPr/>
           <a:lstStyle>
             <a:lvl1pPr>
-              <a:defRPr sz="3200"/>
+              <a:defRPr sz="12800"/>
             </a:lvl1pPr>
             <a:lvl2pPr>
-              <a:defRPr sz="2800"/>
+              <a:defRPr sz="11200"/>
             </a:lvl2pPr>
             <a:lvl3pPr>
-              <a:defRPr sz="2400"/>
+              <a:defRPr sz="9600"/>
             </a:lvl3pPr>
             <a:lvl4pPr>
-              <a:defRPr sz="2000"/>
+              <a:defRPr sz="8000"/>
             </a:lvl4pPr>
             <a:lvl5pPr>
-              <a:defRPr sz="2000"/>
+              <a:defRPr sz="8000"/>
             </a:lvl5pPr>
             <a:lvl6pPr>
-              <a:defRPr sz="2000"/>
+              <a:defRPr sz="8000"/>
             </a:lvl6pPr>
             <a:lvl7pPr>
-              <a:defRPr sz="2000"/>
+              <a:defRPr sz="8000"/>
             </a:lvl7pPr>
             <a:lvl8pPr>
-              <a:defRPr sz="2000"/>
+              <a:defRPr sz="8000"/>
             </a:lvl8pPr>
             <a:lvl9pPr>
-              <a:defRPr sz="2000"/>
+              <a:defRPr sz="8000"/>
             </a:lvl9pPr>
           </a:lstStyle>
           <a:p>
@@ -2184,8 +2189,8 @@
         </p:nvSpPr>
         <p:spPr>
           <a:xfrm>
-            <a:off x="457200" y="1435100"/>
-            <a:ext cx="3008313" cy="4691063"/>
+            <a:off x="1828803" y="5740402"/>
+            <a:ext cx="12033252" cy="18764252"/>
           </a:xfrm>
         </p:spPr>
         <p:txBody>
@@ -2193,39 +2198,39 @@
           <a:lstStyle>
             <a:lvl1pPr marL="0" indent="0">
               <a:buNone/>
-              <a:defRPr sz="1400"/>
+              <a:defRPr sz="5600"/>
             </a:lvl1pPr>
-            <a:lvl2pPr marL="457200" indent="0">
-              <a:buNone/>
-              <a:defRPr sz="1200"/>
+            <a:lvl2pPr marL="1828800" indent="0">
+              <a:buNone/>
+              <a:defRPr sz="4800"/>
             </a:lvl2pPr>
-            <a:lvl3pPr marL="914400" indent="0">
-              <a:buNone/>
-              <a:defRPr sz="1000"/>
+            <a:lvl3pPr marL="3657600" indent="0">
+              <a:buNone/>
+              <a:defRPr sz="4000"/>
             </a:lvl3pPr>
-            <a:lvl4pPr marL="1371600" indent="0">
-              <a:buNone/>
-              <a:defRPr sz="900"/>
+            <a:lvl4pPr marL="5486400" indent="0">
+              <a:buNone/>
+              <a:defRPr sz="3600"/>
             </a:lvl4pPr>
-            <a:lvl5pPr marL="1828800" indent="0">
-              <a:buNone/>
-              <a:defRPr sz="900"/>
+            <a:lvl5pPr marL="7315200" indent="0">
+              <a:buNone/>
+              <a:defRPr sz="3600"/>
             </a:lvl5pPr>
-            <a:lvl6pPr marL="2286000" indent="0">
-              <a:buNone/>
-              <a:defRPr sz="900"/>
+            <a:lvl6pPr marL="9144000" indent="0">
+              <a:buNone/>
+              <a:defRPr sz="3600"/>
             </a:lvl6pPr>
-            <a:lvl7pPr marL="2743200" indent="0">
-              <a:buNone/>
-              <a:defRPr sz="900"/>
+            <a:lvl7pPr marL="10972800" indent="0">
+              <a:buNone/>
+              <a:defRPr sz="3600"/>
             </a:lvl7pPr>
-            <a:lvl8pPr marL="3200400" indent="0">
-              <a:buNone/>
-              <a:defRPr sz="900"/>
+            <a:lvl8pPr marL="12801600" indent="0">
+              <a:buNone/>
+              <a:defRPr sz="3600"/>
             </a:lvl8pPr>
-            <a:lvl9pPr marL="3657600" indent="0">
-              <a:buNone/>
-              <a:defRPr sz="900"/>
+            <a:lvl9pPr marL="14630400" indent="0">
+              <a:buNone/>
+              <a:defRPr sz="3600"/>
             </a:lvl9pPr>
           </a:lstStyle>
           <a:p>
@@ -2252,9 +2257,9 @@
           <a:bodyPr/>
           <a:lstStyle/>
           <a:p>
-            <a:fld id="{DFBA49C8-542E-7B43-A8CA-C2288AFF1143}" type="datetimeFigureOut">
-              <a:rPr lang="en-US" smtClean="0"/>
-              <a:t>4/23/14</a:t>
+            <a:fld id="{399FEC6E-966C-BD4F-9782-CBD5DA065BB6}" type="datetimeFigureOut">
+              <a:rPr lang="en-US" smtClean="0"/>
+              <a:t>4/24/14</a:t>
             </a:fld>
             <a:endParaRPr lang="en-US"/>
           </a:p>
@@ -2294,7 +2299,7 @@
           <a:bodyPr/>
           <a:lstStyle/>
           <a:p>
-            <a:fld id="{A37FA987-D601-D046-A778-11778874F5F5}" type="slidenum">
+            <a:fld id="{2765A374-7F24-F547-BFCF-472E754E468D}" type="slidenum">
               <a:rPr lang="en-US" smtClean="0"/>
               <a:t>‹#›</a:t>
             </a:fld>
@@ -2305,7 +2310,7 @@
     </p:spTree>
     <p:extLst>
       <p:ext uri="{BB962C8B-B14F-4D97-AF65-F5344CB8AC3E}">
-        <p14:creationId xmlns:p14="http://schemas.microsoft.com/office/powerpoint/2010/main" val="4227758353"/>
+        <p14:creationId xmlns:p14="http://schemas.microsoft.com/office/powerpoint/2010/main" val="2425433552"/>
       </p:ext>
     </p:extLst>
   </p:cSld>
@@ -2344,15 +2349,15 @@
         </p:nvSpPr>
         <p:spPr>
           <a:xfrm>
-            <a:off x="1792288" y="4800600"/>
-            <a:ext cx="5486400" cy="566738"/>
+            <a:off x="7169152" y="19202401"/>
+            <a:ext cx="21945600" cy="2266952"/>
           </a:xfrm>
         </p:spPr>
         <p:txBody>
           <a:bodyPr anchor="b"/>
           <a:lstStyle>
             <a:lvl1pPr algn="l">
-              <a:defRPr sz="2000" b="1"/>
+              <a:defRPr sz="8000" b="1"/>
             </a:lvl1pPr>
           </a:lstStyle>
           <a:p>
@@ -2376,8 +2381,8 @@
         </p:nvSpPr>
         <p:spPr>
           <a:xfrm>
-            <a:off x="1792288" y="612775"/>
-            <a:ext cx="5486400" cy="4114800"/>
+            <a:off x="7169152" y="2451100"/>
+            <a:ext cx="21945600" cy="16459200"/>
           </a:xfrm>
         </p:spPr>
         <p:txBody>
@@ -2385,39 +2390,39 @@
           <a:lstStyle>
             <a:lvl1pPr marL="0" indent="0">
               <a:buNone/>
-              <a:defRPr sz="3200"/>
+              <a:defRPr sz="12800"/>
             </a:lvl1pPr>
-            <a:lvl2pPr marL="457200" indent="0">
-              <a:buNone/>
-              <a:defRPr sz="2800"/>
+            <a:lvl2pPr marL="1828800" indent="0">
+              <a:buNone/>
+              <a:defRPr sz="11200"/>
             </a:lvl2pPr>
-            <a:lvl3pPr marL="914400" indent="0">
-              <a:buNone/>
-              <a:defRPr sz="2400"/>
+            <a:lvl3pPr marL="3657600" indent="0">
+              <a:buNone/>
+              <a:defRPr sz="9600"/>
             </a:lvl3pPr>
-            <a:lvl4pPr marL="1371600" indent="0">
-              <a:buNone/>
-              <a:defRPr sz="2000"/>
+            <a:lvl4pPr marL="5486400" indent="0">
+              <a:buNone/>
+              <a:defRPr sz="8000"/>
             </a:lvl4pPr>
-            <a:lvl5pPr marL="1828800" indent="0">
-              <a:buNone/>
-              <a:defRPr sz="2000"/>
+            <a:lvl5pPr marL="7315200" indent="0">
+              <a:buNone/>
+              <a:defRPr sz="8000"/>
             </a:lvl5pPr>
-            <a:lvl6pPr marL="2286000" indent="0">
-              <a:buNone/>
-              <a:defRPr sz="2000"/>
+            <a:lvl6pPr marL="9144000" indent="0">
+              <a:buNone/>
+              <a:defRPr sz="8000"/>
             </a:lvl6pPr>
-            <a:lvl7pPr marL="2743200" indent="0">
-              <a:buNone/>
-              <a:defRPr sz="2000"/>
+            <a:lvl7pPr marL="10972800" indent="0">
+              <a:buNone/>
+              <a:defRPr sz="8000"/>
             </a:lvl7pPr>
-            <a:lvl8pPr marL="3200400" indent="0">
-              <a:buNone/>
-              <a:defRPr sz="2000"/>
+            <a:lvl8pPr marL="12801600" indent="0">
+              <a:buNone/>
+              <a:defRPr sz="8000"/>
             </a:lvl8pPr>
-            <a:lvl9pPr marL="3657600" indent="0">
-              <a:buNone/>
-              <a:defRPr sz="2000"/>
+            <a:lvl9pPr marL="14630400" indent="0">
+              <a:buNone/>
+              <a:defRPr sz="8000"/>
             </a:lvl9pPr>
           </a:lstStyle>
           <a:p>
@@ -2437,8 +2442,8 @@
         </p:nvSpPr>
         <p:spPr>
           <a:xfrm>
-            <a:off x="1792288" y="5367338"/>
-            <a:ext cx="5486400" cy="804862"/>
+            <a:off x="7169152" y="21469353"/>
+            <a:ext cx="21945600" cy="3219448"/>
           </a:xfrm>
         </p:spPr>
         <p:txBody>
@@ -2446,39 +2451,39 @@
           <a:lstStyle>
             <a:lvl1pPr marL="0" indent="0">
               <a:buNone/>
-              <a:defRPr sz="1400"/>
+              <a:defRPr sz="5600"/>
             </a:lvl1pPr>
-            <a:lvl2pPr marL="457200" indent="0">
-              <a:buNone/>
-              <a:defRPr sz="1200"/>
+            <a:lvl2pPr marL="1828800" indent="0">
+              <a:buNone/>
+              <a:defRPr sz="4800"/>
             </a:lvl2pPr>
-            <a:lvl3pPr marL="914400" indent="0">
-              <a:buNone/>
-              <a:defRPr sz="1000"/>
+            <a:lvl3pPr marL="3657600" indent="0">
+              <a:buNone/>
+              <a:defRPr sz="4000"/>
             </a:lvl3pPr>
-            <a:lvl4pPr marL="1371600" indent="0">
-              <a:buNone/>
-              <a:defRPr sz="900"/>
+            <a:lvl4pPr marL="5486400" indent="0">
+              <a:buNone/>
+              <a:defRPr sz="3600"/>
             </a:lvl4pPr>
-            <a:lvl5pPr marL="1828800" indent="0">
-              <a:buNone/>
-              <a:defRPr sz="900"/>
+            <a:lvl5pPr marL="7315200" indent="0">
+              <a:buNone/>
+              <a:defRPr sz="3600"/>
             </a:lvl5pPr>
-            <a:lvl6pPr marL="2286000" indent="0">
-              <a:buNone/>
-              <a:defRPr sz="900"/>
+            <a:lvl6pPr marL="9144000" indent="0">
+              <a:buNone/>
+              <a:defRPr sz="3600"/>
             </a:lvl6pPr>
-            <a:lvl7pPr marL="2743200" indent="0">
-              <a:buNone/>
-              <a:defRPr sz="900"/>
+            <a:lvl7pPr marL="10972800" indent="0">
+              <a:buNone/>
+              <a:defRPr sz="3600"/>
             </a:lvl7pPr>
-            <a:lvl8pPr marL="3200400" indent="0">
-              <a:buNone/>
-              <a:defRPr sz="900"/>
+            <a:lvl8pPr marL="12801600" indent="0">
+              <a:buNone/>
+              <a:defRPr sz="3600"/>
             </a:lvl8pPr>
-            <a:lvl9pPr marL="3657600" indent="0">
-              <a:buNone/>
-              <a:defRPr sz="900"/>
+            <a:lvl9pPr marL="14630400" indent="0">
+              <a:buNone/>
+              <a:defRPr sz="3600"/>
             </a:lvl9pPr>
           </a:lstStyle>
           <a:p>
@@ -2505,9 +2510,9 @@
           <a:bodyPr/>
           <a:lstStyle/>
           <a:p>
-            <a:fld id="{DFBA49C8-542E-7B43-A8CA-C2288AFF1143}" type="datetimeFigureOut">
-              <a:rPr lang="en-US" smtClean="0"/>
-              <a:t>4/23/14</a:t>
+            <a:fld id="{399FEC6E-966C-BD4F-9782-CBD5DA065BB6}" type="datetimeFigureOut">
+              <a:rPr lang="en-US" smtClean="0"/>
+              <a:t>4/24/14</a:t>
             </a:fld>
             <a:endParaRPr lang="en-US"/>
           </a:p>
@@ -2547,7 +2552,7 @@
           <a:bodyPr/>
           <a:lstStyle/>
           <a:p>
-            <a:fld id="{A37FA987-D601-D046-A778-11778874F5F5}" type="slidenum">
+            <a:fld id="{2765A374-7F24-F547-BFCF-472E754E468D}" type="slidenum">
               <a:rPr lang="en-US" smtClean="0"/>
               <a:t>‹#›</a:t>
             </a:fld>
@@ -2558,7 +2563,7 @@
     </p:spTree>
     <p:extLst>
       <p:ext uri="{BB962C8B-B14F-4D97-AF65-F5344CB8AC3E}">
-        <p14:creationId xmlns:p14="http://schemas.microsoft.com/office/powerpoint/2010/main" val="640125389"/>
+        <p14:creationId xmlns:p14="http://schemas.microsoft.com/office/powerpoint/2010/main" val="82062539"/>
       </p:ext>
     </p:extLst>
   </p:cSld>
@@ -2602,15 +2607,15 @@
         </p:nvSpPr>
         <p:spPr>
           <a:xfrm>
-            <a:off x="457200" y="274638"/>
-            <a:ext cx="8229600" cy="1143000"/>
+            <a:off x="1828800" y="1098552"/>
+            <a:ext cx="32918400" cy="4572000"/>
           </a:xfrm>
           <a:prstGeom prst="rect">
             <a:avLst/>
           </a:prstGeom>
         </p:spPr>
         <p:txBody>
-          <a:bodyPr vert="horz" lIns="91440" tIns="45720" rIns="91440" bIns="45720" rtlCol="0" anchor="ctr">
+          <a:bodyPr vert="horz" lIns="365760" tIns="182880" rIns="365760" bIns="182880" rtlCol="0" anchor="ctr">
             <a:normAutofit/>
           </a:bodyPr>
           <a:lstStyle/>
@@ -2635,15 +2640,15 @@
         </p:nvSpPr>
         <p:spPr>
           <a:xfrm>
-            <a:off x="457200" y="1600200"/>
-            <a:ext cx="8229600" cy="4525963"/>
+            <a:off x="1828800" y="6400803"/>
+            <a:ext cx="32918400" cy="18103852"/>
           </a:xfrm>
           <a:prstGeom prst="rect">
             <a:avLst/>
           </a:prstGeom>
         </p:spPr>
         <p:txBody>
-          <a:bodyPr vert="horz" lIns="91440" tIns="45720" rIns="91440" bIns="45720" rtlCol="0">
+          <a:bodyPr vert="horz" lIns="365760" tIns="182880" rIns="365760" bIns="182880" rtlCol="0">
             <a:normAutofit/>
           </a:bodyPr>
           <a:lstStyle/>
@@ -2697,18 +2702,18 @@
         </p:nvSpPr>
         <p:spPr>
           <a:xfrm>
-            <a:off x="457200" y="6356350"/>
-            <a:ext cx="2133600" cy="365125"/>
+            <a:off x="1828800" y="25425402"/>
+            <a:ext cx="8534400" cy="1460500"/>
           </a:xfrm>
           <a:prstGeom prst="rect">
             <a:avLst/>
           </a:prstGeom>
         </p:spPr>
         <p:txBody>
-          <a:bodyPr vert="horz" lIns="91440" tIns="45720" rIns="91440" bIns="45720" rtlCol="0" anchor="ctr"/>
+          <a:bodyPr vert="horz" lIns="365760" tIns="182880" rIns="365760" bIns="182880" rtlCol="0" anchor="ctr"/>
           <a:lstStyle>
             <a:lvl1pPr algn="l">
-              <a:defRPr sz="1200">
+              <a:defRPr sz="4800">
                 <a:solidFill>
                   <a:schemeClr val="tx1">
                     <a:tint val="75000"/>
@@ -2718,9 +2723,9 @@
             </a:lvl1pPr>
           </a:lstStyle>
           <a:p>
-            <a:fld id="{DFBA49C8-542E-7B43-A8CA-C2288AFF1143}" type="datetimeFigureOut">
-              <a:rPr lang="en-US" smtClean="0"/>
-              <a:t>4/23/14</a:t>
+            <a:fld id="{399FEC6E-966C-BD4F-9782-CBD5DA065BB6}" type="datetimeFigureOut">
+              <a:rPr lang="en-US" smtClean="0"/>
+              <a:t>4/24/14</a:t>
             </a:fld>
             <a:endParaRPr lang="en-US"/>
           </a:p>
@@ -2738,18 +2743,18 @@
         </p:nvSpPr>
         <p:spPr>
           <a:xfrm>
-            <a:off x="3124200" y="6356350"/>
-            <a:ext cx="2895600" cy="365125"/>
+            <a:off x="12496800" y="25425402"/>
+            <a:ext cx="11582400" cy="1460500"/>
           </a:xfrm>
           <a:prstGeom prst="rect">
             <a:avLst/>
           </a:prstGeom>
         </p:spPr>
         <p:txBody>
-          <a:bodyPr vert="horz" lIns="91440" tIns="45720" rIns="91440" bIns="45720" rtlCol="0" anchor="ctr"/>
+          <a:bodyPr vert="horz" lIns="365760" tIns="182880" rIns="365760" bIns="182880" rtlCol="0" anchor="ctr"/>
           <a:lstStyle>
             <a:lvl1pPr algn="ctr">
-              <a:defRPr sz="1200">
+              <a:defRPr sz="4800">
                 <a:solidFill>
                   <a:schemeClr val="tx1">
                     <a:tint val="75000"/>
@@ -2775,18 +2780,18 @@
         </p:nvSpPr>
         <p:spPr>
           <a:xfrm>
-            <a:off x="6553200" y="6356350"/>
-            <a:ext cx="2133600" cy="365125"/>
+            <a:off x="26212800" y="25425402"/>
+            <a:ext cx="8534400" cy="1460500"/>
           </a:xfrm>
           <a:prstGeom prst="rect">
             <a:avLst/>
           </a:prstGeom>
         </p:spPr>
         <p:txBody>
-          <a:bodyPr vert="horz" lIns="91440" tIns="45720" rIns="91440" bIns="45720" rtlCol="0" anchor="ctr"/>
+          <a:bodyPr vert="horz" lIns="365760" tIns="182880" rIns="365760" bIns="182880" rtlCol="0" anchor="ctr"/>
           <a:lstStyle>
             <a:lvl1pPr algn="r">
-              <a:defRPr sz="1200">
+              <a:defRPr sz="4800">
                 <a:solidFill>
                   <a:schemeClr val="tx1">
                     <a:tint val="75000"/>
@@ -2796,7 +2801,7 @@
             </a:lvl1pPr>
           </a:lstStyle>
           <a:p>
-            <a:fld id="{A37FA987-D601-D046-A778-11778874F5F5}" type="slidenum">
+            <a:fld id="{2765A374-7F24-F547-BFCF-472E754E468D}" type="slidenum">
               <a:rPr lang="en-US" smtClean="0"/>
               <a:t>‹#›</a:t>
             </a:fld>
@@ -2807,7 +2812,7 @@
     </p:spTree>
     <p:extLst>
       <p:ext uri="{BB962C8B-B14F-4D97-AF65-F5344CB8AC3E}">
-        <p14:creationId xmlns:p14="http://schemas.microsoft.com/office/powerpoint/2010/main" val="1047050"/>
+        <p14:creationId xmlns:p14="http://schemas.microsoft.com/office/powerpoint/2010/main" val="2777970495"/>
       </p:ext>
     </p:extLst>
   </p:cSld>
@@ -2827,12 +2832,12 @@
   </p:sldLayoutIdLst>
   <p:txStyles>
     <p:titleStyle>
-      <a:lvl1pPr algn="ctr" defTabSz="457200" rtl="0" eaLnBrk="1" latinLnBrk="0" hangingPunct="1">
+      <a:lvl1pPr algn="ctr" defTabSz="1828800" rtl="0" eaLnBrk="1" latinLnBrk="0" hangingPunct="1">
         <a:spcBef>
           <a:spcPct val="0"/>
         </a:spcBef>
         <a:buNone/>
-        <a:defRPr sz="4400" kern="1200">
+        <a:defRPr sz="17600" kern="1200">
           <a:solidFill>
             <a:schemeClr val="tx1"/>
           </a:solidFill>
@@ -2843,13 +2848,13 @@
       </a:lvl1pPr>
     </p:titleStyle>
     <p:bodyStyle>
-      <a:lvl1pPr marL="342900" indent="-342900" algn="l" defTabSz="457200" rtl="0" eaLnBrk="1" latinLnBrk="0" hangingPunct="1">
+      <a:lvl1pPr marL="1371600" indent="-1371600" algn="l" defTabSz="1828800" rtl="0" eaLnBrk="1" latinLnBrk="0" hangingPunct="1">
         <a:spcBef>
           <a:spcPct val="20000"/>
         </a:spcBef>
         <a:buFont typeface="Arial"/>
         <a:buChar char="•"/>
-        <a:defRPr sz="3200" kern="1200">
+        <a:defRPr sz="12800" kern="1200">
           <a:solidFill>
             <a:schemeClr val="tx1"/>
           </a:solidFill>
@@ -2858,13 +2863,13 @@
           <a:cs typeface="+mn-cs"/>
         </a:defRPr>
       </a:lvl1pPr>
-      <a:lvl2pPr marL="742950" indent="-285750" algn="l" defTabSz="457200" rtl="0" eaLnBrk="1" latinLnBrk="0" hangingPunct="1">
+      <a:lvl2pPr marL="2971800" indent="-1143000" algn="l" defTabSz="1828800" rtl="0" eaLnBrk="1" latinLnBrk="0" hangingPunct="1">
         <a:spcBef>
           <a:spcPct val="20000"/>
         </a:spcBef>
         <a:buFont typeface="Arial"/>
         <a:buChar char="–"/>
-        <a:defRPr sz="2800" kern="1200">
+        <a:defRPr sz="11200" kern="1200">
           <a:solidFill>
             <a:schemeClr val="tx1"/>
           </a:solidFill>
@@ -2873,13 +2878,13 @@
           <a:cs typeface="+mn-cs"/>
         </a:defRPr>
       </a:lvl2pPr>
-      <a:lvl3pPr marL="1143000" indent="-228600" algn="l" defTabSz="457200" rtl="0" eaLnBrk="1" latinLnBrk="0" hangingPunct="1">
+      <a:lvl3pPr marL="4572000" indent="-914400" algn="l" defTabSz="1828800" rtl="0" eaLnBrk="1" latinLnBrk="0" hangingPunct="1">
         <a:spcBef>
           <a:spcPct val="20000"/>
         </a:spcBef>
         <a:buFont typeface="Arial"/>
         <a:buChar char="•"/>
-        <a:defRPr sz="2400" kern="1200">
+        <a:defRPr sz="9600" kern="1200">
           <a:solidFill>
             <a:schemeClr val="tx1"/>
           </a:solidFill>
@@ -2888,13 +2893,13 @@
           <a:cs typeface="+mn-cs"/>
         </a:defRPr>
       </a:lvl3pPr>
-      <a:lvl4pPr marL="1600200" indent="-228600" algn="l" defTabSz="457200" rtl="0" eaLnBrk="1" latinLnBrk="0" hangingPunct="1">
+      <a:lvl4pPr marL="6400800" indent="-914400" algn="l" defTabSz="1828800" rtl="0" eaLnBrk="1" latinLnBrk="0" hangingPunct="1">
         <a:spcBef>
           <a:spcPct val="20000"/>
         </a:spcBef>
         <a:buFont typeface="Arial"/>
         <a:buChar char="–"/>
-        <a:defRPr sz="2000" kern="1200">
+        <a:defRPr sz="8000" kern="1200">
           <a:solidFill>
             <a:schemeClr val="tx1"/>
           </a:solidFill>
@@ -2903,13 +2908,13 @@
           <a:cs typeface="+mn-cs"/>
         </a:defRPr>
       </a:lvl4pPr>
-      <a:lvl5pPr marL="2057400" indent="-228600" algn="l" defTabSz="457200" rtl="0" eaLnBrk="1" latinLnBrk="0" hangingPunct="1">
+      <a:lvl5pPr marL="8229600" indent="-914400" algn="l" defTabSz="1828800" rtl="0" eaLnBrk="1" latinLnBrk="0" hangingPunct="1">
         <a:spcBef>
           <a:spcPct val="20000"/>
         </a:spcBef>
         <a:buFont typeface="Arial"/>
         <a:buChar char="»"/>
-        <a:defRPr sz="2000" kern="1200">
+        <a:defRPr sz="8000" kern="1200">
           <a:solidFill>
             <a:schemeClr val="tx1"/>
           </a:solidFill>
@@ -2918,13 +2923,13 @@
           <a:cs typeface="+mn-cs"/>
         </a:defRPr>
       </a:lvl5pPr>
-      <a:lvl6pPr marL="2514600" indent="-228600" algn="l" defTabSz="457200" rtl="0" eaLnBrk="1" latinLnBrk="0" hangingPunct="1">
+      <a:lvl6pPr marL="10058400" indent="-914400" algn="l" defTabSz="1828800" rtl="0" eaLnBrk="1" latinLnBrk="0" hangingPunct="1">
         <a:spcBef>
           <a:spcPct val="20000"/>
         </a:spcBef>
         <a:buFont typeface="Arial"/>
         <a:buChar char="•"/>
-        <a:defRPr sz="2000" kern="1200">
+        <a:defRPr sz="8000" kern="1200">
           <a:solidFill>
             <a:schemeClr val="tx1"/>
           </a:solidFill>
@@ -2933,13 +2938,13 @@
           <a:cs typeface="+mn-cs"/>
         </a:defRPr>
       </a:lvl6pPr>
-      <a:lvl7pPr marL="2971800" indent="-228600" algn="l" defTabSz="457200" rtl="0" eaLnBrk="1" latinLnBrk="0" hangingPunct="1">
+      <a:lvl7pPr marL="11887200" indent="-914400" algn="l" defTabSz="1828800" rtl="0" eaLnBrk="1" latinLnBrk="0" hangingPunct="1">
         <a:spcBef>
           <a:spcPct val="20000"/>
         </a:spcBef>
         <a:buFont typeface="Arial"/>
         <a:buChar char="•"/>
-        <a:defRPr sz="2000" kern="1200">
+        <a:defRPr sz="8000" kern="1200">
           <a:solidFill>
             <a:schemeClr val="tx1"/>
           </a:solidFill>
@@ -2948,13 +2953,13 @@
           <a:cs typeface="+mn-cs"/>
         </a:defRPr>
       </a:lvl7pPr>
-      <a:lvl8pPr marL="3429000" indent="-228600" algn="l" defTabSz="457200" rtl="0" eaLnBrk="1" latinLnBrk="0" hangingPunct="1">
+      <a:lvl8pPr marL="13716000" indent="-914400" algn="l" defTabSz="1828800" rtl="0" eaLnBrk="1" latinLnBrk="0" hangingPunct="1">
         <a:spcBef>
           <a:spcPct val="20000"/>
         </a:spcBef>
         <a:buFont typeface="Arial"/>
         <a:buChar char="•"/>
-        <a:defRPr sz="2000" kern="1200">
+        <a:defRPr sz="8000" kern="1200">
           <a:solidFill>
             <a:schemeClr val="tx1"/>
           </a:solidFill>
@@ -2963,13 +2968,13 @@
           <a:cs typeface="+mn-cs"/>
         </a:defRPr>
       </a:lvl8pPr>
-      <a:lvl9pPr marL="3886200" indent="-228600" algn="l" defTabSz="457200" rtl="0" eaLnBrk="1" latinLnBrk="0" hangingPunct="1">
+      <a:lvl9pPr marL="15544800" indent="-914400" algn="l" defTabSz="1828800" rtl="0" eaLnBrk="1" latinLnBrk="0" hangingPunct="1">
         <a:spcBef>
           <a:spcPct val="20000"/>
         </a:spcBef>
         <a:buFont typeface="Arial"/>
         <a:buChar char="•"/>
-        <a:defRPr sz="2000" kern="1200">
+        <a:defRPr sz="8000" kern="1200">
           <a:solidFill>
             <a:schemeClr val="tx1"/>
           </a:solidFill>
@@ -2983,8 +2988,8 @@
       <a:defPPr>
         <a:defRPr lang="en-US"/>
       </a:defPPr>
-      <a:lvl1pPr marL="0" algn="l" defTabSz="457200" rtl="0" eaLnBrk="1" latinLnBrk="0" hangingPunct="1">
-        <a:defRPr sz="1800" kern="1200">
+      <a:lvl1pPr marL="0" algn="l" defTabSz="1828800" rtl="0" eaLnBrk="1" latinLnBrk="0" hangingPunct="1">
+        <a:defRPr sz="7200" kern="1200">
           <a:solidFill>
             <a:schemeClr val="tx1"/>
           </a:solidFill>
@@ -2993,8 +2998,8 @@
           <a:cs typeface="+mn-cs"/>
         </a:defRPr>
       </a:lvl1pPr>
-      <a:lvl2pPr marL="457200" algn="l" defTabSz="457200" rtl="0" eaLnBrk="1" latinLnBrk="0" hangingPunct="1">
-        <a:defRPr sz="1800" kern="1200">
+      <a:lvl2pPr marL="1828800" algn="l" defTabSz="1828800" rtl="0" eaLnBrk="1" latinLnBrk="0" hangingPunct="1">
+        <a:defRPr sz="7200" kern="1200">
           <a:solidFill>
             <a:schemeClr val="tx1"/>
           </a:solidFill>
@@ -3003,8 +3008,8 @@
           <a:cs typeface="+mn-cs"/>
         </a:defRPr>
       </a:lvl2pPr>
-      <a:lvl3pPr marL="914400" algn="l" defTabSz="457200" rtl="0" eaLnBrk="1" latinLnBrk="0" hangingPunct="1">
-        <a:defRPr sz="1800" kern="1200">
+      <a:lvl3pPr marL="3657600" algn="l" defTabSz="1828800" rtl="0" eaLnBrk="1" latinLnBrk="0" hangingPunct="1">
+        <a:defRPr sz="7200" kern="1200">
           <a:solidFill>
             <a:schemeClr val="tx1"/>
           </a:solidFill>
@@ -3013,8 +3018,8 @@
           <a:cs typeface="+mn-cs"/>
         </a:defRPr>
       </a:lvl3pPr>
-      <a:lvl4pPr marL="1371600" algn="l" defTabSz="457200" rtl="0" eaLnBrk="1" latinLnBrk="0" hangingPunct="1">
-        <a:defRPr sz="1800" kern="1200">
+      <a:lvl4pPr marL="5486400" algn="l" defTabSz="1828800" rtl="0" eaLnBrk="1" latinLnBrk="0" hangingPunct="1">
+        <a:defRPr sz="7200" kern="1200">
           <a:solidFill>
             <a:schemeClr val="tx1"/>
           </a:solidFill>
@@ -3023,8 +3028,8 @@
           <a:cs typeface="+mn-cs"/>
         </a:defRPr>
       </a:lvl4pPr>
-      <a:lvl5pPr marL="1828800" algn="l" defTabSz="457200" rtl="0" eaLnBrk="1" latinLnBrk="0" hangingPunct="1">
-        <a:defRPr sz="1800" kern="1200">
+      <a:lvl5pPr marL="7315200" algn="l" defTabSz="1828800" rtl="0" eaLnBrk="1" latinLnBrk="0" hangingPunct="1">
+        <a:defRPr sz="7200" kern="1200">
           <a:solidFill>
             <a:schemeClr val="tx1"/>
           </a:solidFill>
@@ -3033,8 +3038,8 @@
           <a:cs typeface="+mn-cs"/>
         </a:defRPr>
       </a:lvl5pPr>
-      <a:lvl6pPr marL="2286000" algn="l" defTabSz="457200" rtl="0" eaLnBrk="1" latinLnBrk="0" hangingPunct="1">
-        <a:defRPr sz="1800" kern="1200">
+      <a:lvl6pPr marL="9144000" algn="l" defTabSz="1828800" rtl="0" eaLnBrk="1" latinLnBrk="0" hangingPunct="1">
+        <a:defRPr sz="7200" kern="1200">
           <a:solidFill>
             <a:schemeClr val="tx1"/>
           </a:solidFill>
@@ -3043,8 +3048,8 @@
           <a:cs typeface="+mn-cs"/>
         </a:defRPr>
       </a:lvl6pPr>
-      <a:lvl7pPr marL="2743200" algn="l" defTabSz="457200" rtl="0" eaLnBrk="1" latinLnBrk="0" hangingPunct="1">
-        <a:defRPr sz="1800" kern="1200">
+      <a:lvl7pPr marL="10972800" algn="l" defTabSz="1828800" rtl="0" eaLnBrk="1" latinLnBrk="0" hangingPunct="1">
+        <a:defRPr sz="7200" kern="1200">
           <a:solidFill>
             <a:schemeClr val="tx1"/>
           </a:solidFill>
@@ -3053,8 +3058,8 @@
           <a:cs typeface="+mn-cs"/>
         </a:defRPr>
       </a:lvl7pPr>
-      <a:lvl8pPr marL="3200400" algn="l" defTabSz="457200" rtl="0" eaLnBrk="1" latinLnBrk="0" hangingPunct="1">
-        <a:defRPr sz="1800" kern="1200">
+      <a:lvl8pPr marL="12801600" algn="l" defTabSz="1828800" rtl="0" eaLnBrk="1" latinLnBrk="0" hangingPunct="1">
+        <a:defRPr sz="7200" kern="1200">
           <a:solidFill>
             <a:schemeClr val="tx1"/>
           </a:solidFill>
@@ -3063,8 +3068,8 @@
           <a:cs typeface="+mn-cs"/>
         </a:defRPr>
       </a:lvl8pPr>
-      <a:lvl9pPr marL="3657600" algn="l" defTabSz="457200" rtl="0" eaLnBrk="1" latinLnBrk="0" hangingPunct="1">
-        <a:defRPr sz="1800" kern="1200">
+      <a:lvl9pPr marL="14630400" algn="l" defTabSz="1828800" rtl="0" eaLnBrk="1" latinLnBrk="0" hangingPunct="1">
+        <a:defRPr sz="7200" kern="1200">
           <a:solidFill>
             <a:schemeClr val="tx1"/>
           </a:solidFill>
@@ -3097,7 +3102,7 @@
       </p:grpSpPr>
       <p:pic>
         <p:nvPicPr>
-          <p:cNvPr id="4" name="Picture 3" descr="Screen Shot 2014-04-23 at 4.26.09 PM.png"/>
+          <p:cNvPr id="23" name="Picture 22" descr="Screen Shot 2014-04-23 at 4.36.39 PM.png"/>
           <p:cNvPicPr>
             <a:picLocks noChangeAspect="1"/>
           </p:cNvPicPr>
@@ -3117,8 +3122,8 @@
         </p:blipFill>
         <p:spPr>
           <a:xfrm>
-            <a:off x="2032257" y="2561362"/>
-            <a:ext cx="2250663" cy="2837793"/>
+            <a:off x="26214052" y="1265552"/>
+            <a:ext cx="7938051" cy="5829705"/>
           </a:xfrm>
           <a:prstGeom prst="rect">
             <a:avLst/>
@@ -3127,7 +3132,7 @@
       </p:pic>
       <p:pic>
         <p:nvPicPr>
-          <p:cNvPr id="5" name="Picture 4" descr="Screen Shot 2014-04-23 at 4.27.42 PM.png"/>
+          <p:cNvPr id="24" name="Picture 23" descr="Screen Shot 2014-04-23 at 4.35.42 PM.png"/>
           <p:cNvPicPr>
             <a:picLocks noChangeAspect="1"/>
           </p:cNvPicPr>
@@ -3147,8 +3152,8 @@
         </p:blipFill>
         <p:spPr>
           <a:xfrm>
-            <a:off x="-281030" y="33318"/>
-            <a:ext cx="2441460" cy="2112147"/>
+            <a:off x="18461251" y="1265552"/>
+            <a:ext cx="7938051" cy="6909280"/>
           </a:xfrm>
           <a:prstGeom prst="rect">
             <a:avLst/>
@@ -3157,7 +3162,7 @@
       </p:pic>
       <p:pic>
         <p:nvPicPr>
-          <p:cNvPr id="6" name="Picture 5" descr="Screen Shot 2014-04-23 at 4.28.31 PM.png"/>
+          <p:cNvPr id="25" name="Picture 24" descr="Screen Shot 2014-04-23 at 4.35.03 PM.png"/>
           <p:cNvPicPr>
             <a:picLocks noChangeAspect="1"/>
           </p:cNvPicPr>
@@ -3177,8 +3182,8 @@
         </p:blipFill>
         <p:spPr>
           <a:xfrm>
-            <a:off x="-151477" y="2561362"/>
-            <a:ext cx="2423281" cy="2054445"/>
+            <a:off x="10107409" y="1265552"/>
+            <a:ext cx="7938051" cy="6909280"/>
           </a:xfrm>
           <a:prstGeom prst="rect">
             <a:avLst/>
@@ -3187,7 +3192,7 @@
       </p:pic>
       <p:pic>
         <p:nvPicPr>
-          <p:cNvPr id="7" name="Picture 6" descr="Screen Shot 2014-04-23 at 4.29.06 PM.png"/>
+          <p:cNvPr id="26" name="Picture 25" descr="Screen Shot 2014-04-23 at 4.29.44 PM.png"/>
           <p:cNvPicPr>
             <a:picLocks noChangeAspect="1"/>
           </p:cNvPicPr>
@@ -3207,8 +3212,8 @@
         </p:blipFill>
         <p:spPr>
           <a:xfrm>
-            <a:off x="3991617" y="2561362"/>
-            <a:ext cx="2674754" cy="2267643"/>
+            <a:off x="25903066" y="10943624"/>
+            <a:ext cx="8928720" cy="7569725"/>
           </a:xfrm>
           <a:prstGeom prst="rect">
             <a:avLst/>
@@ -3217,7 +3222,7 @@
       </p:pic>
       <p:pic>
         <p:nvPicPr>
-          <p:cNvPr id="8" name="Picture 7" descr="Screen Shot 2014-04-23 at 4.29.44 PM.png"/>
+          <p:cNvPr id="27" name="Picture 26" descr="Screen Shot 2014-04-23 at 4.29.06 PM.png"/>
           <p:cNvPicPr>
             <a:picLocks noChangeAspect="1"/>
           </p:cNvPicPr>
@@ -3237,8 +3242,8 @@
         </p:blipFill>
         <p:spPr>
           <a:xfrm>
-            <a:off x="6330505" y="2561362"/>
-            <a:ext cx="2904018" cy="2462012"/>
+            <a:off x="17732224" y="10943624"/>
+            <a:ext cx="8928720" cy="7569725"/>
           </a:xfrm>
           <a:prstGeom prst="rect">
             <a:avLst/>
@@ -3247,7 +3252,7 @@
       </p:pic>
       <p:pic>
         <p:nvPicPr>
-          <p:cNvPr id="9" name="Picture 8" descr="Screen Shot 2014-04-23 at 4.35.03 PM.png"/>
+          <p:cNvPr id="28" name="Picture 27" descr="Screen Shot 2014-04-23 at 4.28.31 PM.png"/>
           <p:cNvPicPr>
             <a:picLocks noChangeAspect="1"/>
           </p:cNvPicPr>
@@ -3267,8 +3272,8 @@
         </p:blipFill>
         <p:spPr>
           <a:xfrm>
-            <a:off x="1716454" y="49943"/>
-            <a:ext cx="2426640" cy="2112147"/>
+            <a:off x="476802" y="10943624"/>
+            <a:ext cx="8928720" cy="7569725"/>
           </a:xfrm>
           <a:prstGeom prst="rect">
             <a:avLst/>
@@ -3277,7 +3282,7 @@
       </p:pic>
       <p:pic>
         <p:nvPicPr>
-          <p:cNvPr id="10" name="Picture 9" descr="Screen Shot 2014-04-23 at 4.35.42 PM.png"/>
+          <p:cNvPr id="29" name="Picture 28" descr="Screen Shot 2014-04-23 at 4.27.42 PM.png"/>
           <p:cNvPicPr>
             <a:picLocks noChangeAspect="1"/>
           </p:cNvPicPr>
@@ -3297,8 +3302,8 @@
         </p:blipFill>
         <p:spPr>
           <a:xfrm>
-            <a:off x="3781879" y="1"/>
-            <a:ext cx="2426640" cy="2112147"/>
+            <a:off x="572920" y="1197600"/>
+            <a:ext cx="8065080" cy="6977232"/>
           </a:xfrm>
           <a:prstGeom prst="rect">
             <a:avLst/>
@@ -3307,7 +3312,7 @@
       </p:pic>
       <p:pic>
         <p:nvPicPr>
-          <p:cNvPr id="11" name="Picture 10" descr="Screen Shot 2014-04-23 at 4.36.39 PM.png"/>
+          <p:cNvPr id="30" name="Picture 29" descr="Screen Shot 2014-04-23 at 4.26.09 PM.png"/>
           <p:cNvPicPr>
             <a:picLocks noChangeAspect="1"/>
           </p:cNvPicPr>
@@ -3327,216 +3332,258 @@
         </p:blipFill>
         <p:spPr>
           <a:xfrm>
-            <a:off x="5890102" y="1"/>
-            <a:ext cx="3125305" cy="2295224"/>
+            <a:off x="9405522" y="7095257"/>
+            <a:ext cx="9055729" cy="11418092"/>
           </a:xfrm>
           <a:prstGeom prst="rect">
             <a:avLst/>
           </a:prstGeom>
         </p:spPr>
       </p:pic>
-      <p:cxnSp>
-        <p:nvCxnSpPr>
-          <p:cNvPr id="13" name="Straight Arrow Connector 12"/>
-          <p:cNvCxnSpPr/>
+      <p:sp>
+        <p:nvSpPr>
+          <p:cNvPr id="31" name="TextBox 30"/>
+          <p:cNvSpPr txBox="1"/>
           <p:nvPr/>
-        </p:nvCxnSpPr>
+        </p:nvSpPr>
         <p:spPr>
-          <a:xfrm flipH="1">
-            <a:off x="617562" y="1922395"/>
-            <a:ext cx="2307120" cy="1293248"/>
+          <a:xfrm>
+            <a:off x="1987901" y="318110"/>
+            <a:ext cx="5136743" cy="1200329"/>
           </a:xfrm>
-          <a:prstGeom prst="straightConnector1">
+          <a:prstGeom prst="rect">
             <a:avLst/>
           </a:prstGeom>
-          <a:ln>
-            <a:tailEnd type="arrow"/>
-          </a:ln>
+          <a:noFill/>
         </p:spPr>
-        <p:style>
-          <a:lnRef idx="2">
-            <a:schemeClr val="accent1"/>
-          </a:lnRef>
-          <a:fillRef idx="0">
-            <a:schemeClr val="accent1"/>
-          </a:fillRef>
-          <a:effectRef idx="1">
-            <a:schemeClr val="accent1"/>
-          </a:effectRef>
-          <a:fontRef idx="minor">
-            <a:schemeClr val="tx1"/>
-          </a:fontRef>
-        </p:style>
-      </p:cxnSp>
-      <p:cxnSp>
-        <p:nvCxnSpPr>
-          <p:cNvPr id="15" name="Straight Arrow Connector 14"/>
-          <p:cNvCxnSpPr/>
+        <p:txBody>
+          <a:bodyPr wrap="none" rtlCol="0">
+            <a:spAutoFit/>
+          </a:bodyPr>
+          <a:lstStyle/>
+          <a:p>
+            <a:r>
+              <a:rPr lang="en-US" dirty="0" smtClean="0"/>
+              <a:t>Directory foo</a:t>
+            </a:r>
+            <a:endParaRPr lang="en-US" dirty="0"/>
+          </a:p>
+        </p:txBody>
+      </p:sp>
+      <p:sp>
+        <p:nvSpPr>
+          <p:cNvPr id="32" name="TextBox 31"/>
+          <p:cNvSpPr txBox="1"/>
           <p:nvPr/>
-        </p:nvCxnSpPr>
+        </p:nvSpPr>
         <p:spPr>
           <a:xfrm>
-            <a:off x="2937257" y="1922395"/>
-            <a:ext cx="0" cy="734006"/>
+            <a:off x="11665659" y="402108"/>
+            <a:ext cx="4506462" cy="1200329"/>
           </a:xfrm>
-          <a:prstGeom prst="straightConnector1">
+          <a:prstGeom prst="rect">
             <a:avLst/>
           </a:prstGeom>
-          <a:ln>
-            <a:tailEnd type="arrow"/>
-          </a:ln>
+          <a:noFill/>
         </p:spPr>
-        <p:style>
-          <a:lnRef idx="2">
-            <a:schemeClr val="accent1"/>
-          </a:lnRef>
-          <a:fillRef idx="0">
-            <a:schemeClr val="accent1"/>
-          </a:fillRef>
-          <a:effectRef idx="1">
-            <a:schemeClr val="accent1"/>
-          </a:effectRef>
-          <a:fontRef idx="minor">
-            <a:schemeClr val="tx1"/>
-          </a:fontRef>
-        </p:style>
-      </p:cxnSp>
-      <p:cxnSp>
-        <p:nvCxnSpPr>
-          <p:cNvPr id="18" name="Straight Arrow Connector 17"/>
-          <p:cNvCxnSpPr/>
+        <p:txBody>
+          <a:bodyPr wrap="none" rtlCol="0">
+            <a:spAutoFit/>
+          </a:bodyPr>
+          <a:lstStyle/>
+          <a:p>
+            <a:r>
+              <a:rPr lang="en-US" dirty="0" err="1" smtClean="0"/>
+              <a:t>module.md</a:t>
+            </a:r>
+            <a:endParaRPr lang="en-US" dirty="0"/>
+          </a:p>
+        </p:txBody>
+      </p:sp>
+      <p:sp>
+        <p:nvSpPr>
+          <p:cNvPr id="33" name="TextBox 32"/>
+          <p:cNvSpPr txBox="1"/>
           <p:nvPr/>
-        </p:nvCxnSpPr>
+        </p:nvSpPr>
         <p:spPr>
           <a:xfrm>
-            <a:off x="4872431" y="1877668"/>
-            <a:ext cx="0" cy="734006"/>
+            <a:off x="19521176" y="318110"/>
+            <a:ext cx="5746735" cy="1200329"/>
           </a:xfrm>
-          <a:prstGeom prst="straightConnector1">
+          <a:prstGeom prst="rect">
             <a:avLst/>
           </a:prstGeom>
-          <a:ln>
-            <a:tailEnd type="arrow"/>
-          </a:ln>
+          <a:noFill/>
         </p:spPr>
-        <p:style>
-          <a:lnRef idx="2">
-            <a:schemeClr val="accent1"/>
-          </a:lnRef>
-          <a:fillRef idx="0">
-            <a:schemeClr val="accent1"/>
-          </a:fillRef>
-          <a:effectRef idx="1">
-            <a:schemeClr val="accent1"/>
-          </a:effectRef>
-          <a:fontRef idx="minor">
-            <a:schemeClr val="tx1"/>
-          </a:fontRef>
-        </p:style>
-      </p:cxnSp>
-      <p:cxnSp>
-        <p:nvCxnSpPr>
-          <p:cNvPr id="19" name="Straight Arrow Connector 18"/>
-          <p:cNvCxnSpPr/>
+        <p:txBody>
+          <a:bodyPr wrap="none" rtlCol="0">
+            <a:spAutoFit/>
+          </a:bodyPr>
+          <a:lstStyle/>
+          <a:p>
+            <a:r>
+              <a:rPr lang="en-US" dirty="0" smtClean="0"/>
+              <a:t>outcome-1.md</a:t>
+            </a:r>
+            <a:endParaRPr lang="en-US" dirty="0"/>
+          </a:p>
+        </p:txBody>
+      </p:sp>
+      <p:sp>
+        <p:nvSpPr>
+          <p:cNvPr id="34" name="TextBox 33"/>
+          <p:cNvSpPr txBox="1"/>
           <p:nvPr/>
-        </p:nvCxnSpPr>
+        </p:nvSpPr>
         <p:spPr>
           <a:xfrm>
-            <a:off x="7365985" y="1883407"/>
-            <a:ext cx="0" cy="734006"/>
+            <a:off x="27100596" y="402108"/>
+            <a:ext cx="5231420" cy="1200329"/>
           </a:xfrm>
-          <a:prstGeom prst="straightConnector1">
+          <a:prstGeom prst="rect">
             <a:avLst/>
           </a:prstGeom>
-          <a:ln>
-            <a:tailEnd type="arrow"/>
-          </a:ln>
+          <a:noFill/>
         </p:spPr>
-        <p:style>
-          <a:lnRef idx="2">
-            <a:schemeClr val="accent1"/>
-          </a:lnRef>
-          <a:fillRef idx="0">
-            <a:schemeClr val="accent1"/>
-          </a:fillRef>
-          <a:effectRef idx="1">
-            <a:schemeClr val="accent1"/>
-          </a:effectRef>
-          <a:fontRef idx="minor">
-            <a:schemeClr val="tx1"/>
-          </a:fontRef>
-        </p:style>
-      </p:cxnSp>
-      <p:cxnSp>
-        <p:nvCxnSpPr>
-          <p:cNvPr id="20" name="Straight Arrow Connector 19"/>
-          <p:cNvCxnSpPr/>
+        <p:txBody>
+          <a:bodyPr wrap="none" rtlCol="0">
+            <a:spAutoFit/>
+          </a:bodyPr>
+          <a:lstStyle/>
+          <a:p>
+            <a:r>
+              <a:rPr lang="en-US" dirty="0" smtClean="0"/>
+              <a:t>reading-1.md</a:t>
+            </a:r>
+            <a:endParaRPr lang="en-US" dirty="0"/>
+          </a:p>
+        </p:txBody>
+      </p:sp>
+      <p:sp>
+        <p:nvSpPr>
+          <p:cNvPr id="35" name="TextBox 34"/>
+          <p:cNvSpPr txBox="1"/>
           <p:nvPr/>
-        </p:nvCxnSpPr>
+        </p:nvSpPr>
         <p:spPr>
           <a:xfrm>
-            <a:off x="2321069" y="629551"/>
-            <a:ext cx="1670548" cy="0"/>
+            <a:off x="1987901" y="17913184"/>
+            <a:ext cx="3775393" cy="1200329"/>
           </a:xfrm>
-          <a:prstGeom prst="straightConnector1">
+          <a:prstGeom prst="rect">
             <a:avLst/>
           </a:prstGeom>
-          <a:ln>
-            <a:tailEnd type="arrow"/>
-          </a:ln>
+          <a:noFill/>
         </p:spPr>
-        <p:style>
-          <a:lnRef idx="2">
-            <a:schemeClr val="accent1"/>
-          </a:lnRef>
-          <a:fillRef idx="0">
-            <a:schemeClr val="accent1"/>
-          </a:fillRef>
-          <a:effectRef idx="1">
-            <a:schemeClr val="accent1"/>
-          </a:effectRef>
-          <a:fontRef idx="minor">
-            <a:schemeClr val="tx1"/>
-          </a:fontRef>
-        </p:style>
-      </p:cxnSp>
-      <p:cxnSp>
-        <p:nvCxnSpPr>
-          <p:cNvPr id="23" name="Straight Arrow Connector 22"/>
-          <p:cNvCxnSpPr/>
+        <p:txBody>
+          <a:bodyPr wrap="none" rtlCol="0">
+            <a:spAutoFit/>
+          </a:bodyPr>
+          <a:lstStyle/>
+          <a:p>
+            <a:r>
+              <a:rPr lang="en-US" dirty="0" smtClean="0"/>
+              <a:t>modules/</a:t>
+            </a:r>
+            <a:endParaRPr lang="en-US" dirty="0"/>
+          </a:p>
+        </p:txBody>
+      </p:sp>
+      <p:sp>
+        <p:nvSpPr>
+          <p:cNvPr id="36" name="TextBox 35"/>
+          <p:cNvSpPr txBox="1"/>
           <p:nvPr/>
-        </p:nvCxnSpPr>
+        </p:nvSpPr>
         <p:spPr>
           <a:xfrm>
-            <a:off x="2321069" y="781069"/>
-            <a:ext cx="3837428" cy="0"/>
+            <a:off x="11361952" y="17913184"/>
+            <a:ext cx="5024032" cy="1200329"/>
           </a:xfrm>
-          <a:prstGeom prst="straightConnector1">
+          <a:prstGeom prst="rect">
             <a:avLst/>
           </a:prstGeom>
-          <a:ln>
-            <a:tailEnd type="arrow"/>
-          </a:ln>
+          <a:noFill/>
         </p:spPr>
-        <p:style>
-          <a:lnRef idx="2">
-            <a:schemeClr val="accent1"/>
-          </a:lnRef>
-          <a:fillRef idx="0">
-            <a:schemeClr val="accent1"/>
-          </a:fillRef>
-          <a:effectRef idx="1">
-            <a:schemeClr val="accent1"/>
-          </a:effectRef>
-          <a:fontRef idx="minor">
-            <a:schemeClr val="tx1"/>
-          </a:fontRef>
-        </p:style>
-      </p:cxnSp>
+        <p:txBody>
+          <a:bodyPr wrap="none" rtlCol="0">
+            <a:spAutoFit/>
+          </a:bodyPr>
+          <a:lstStyle/>
+          <a:p>
+            <a:r>
+              <a:rPr lang="en-US" dirty="0" smtClean="0"/>
+              <a:t>modules/foo</a:t>
+            </a:r>
+            <a:endParaRPr lang="en-US" dirty="0"/>
+          </a:p>
+        </p:txBody>
+      </p:sp>
+      <p:sp>
+        <p:nvSpPr>
+          <p:cNvPr id="37" name="TextBox 36"/>
+          <p:cNvSpPr txBox="1"/>
+          <p:nvPr/>
+        </p:nvSpPr>
+        <p:spPr>
+          <a:xfrm>
+            <a:off x="19521176" y="17867919"/>
+            <a:ext cx="4262705" cy="1200329"/>
+          </a:xfrm>
+          <a:prstGeom prst="rect">
+            <a:avLst/>
+          </a:prstGeom>
+          <a:noFill/>
+        </p:spPr>
+        <p:txBody>
+          <a:bodyPr wrap="none" rtlCol="0">
+            <a:spAutoFit/>
+          </a:bodyPr>
+          <a:lstStyle/>
+          <a:p>
+            <a:r>
+              <a:rPr lang="en-US" dirty="0" smtClean="0"/>
+              <a:t>outcomes/</a:t>
+            </a:r>
+            <a:endParaRPr lang="en-US" dirty="0"/>
+          </a:p>
+        </p:txBody>
+      </p:sp>
+      <p:sp>
+        <p:nvSpPr>
+          <p:cNvPr id="38" name="TextBox 37"/>
+          <p:cNvSpPr txBox="1"/>
+          <p:nvPr/>
+        </p:nvSpPr>
+        <p:spPr>
+          <a:xfrm>
+            <a:off x="28343033" y="17913184"/>
+            <a:ext cx="3749744" cy="1200329"/>
+          </a:xfrm>
+          <a:prstGeom prst="rect">
+            <a:avLst/>
+          </a:prstGeom>
+          <a:noFill/>
+        </p:spPr>
+        <p:txBody>
+          <a:bodyPr wrap="none" rtlCol="0">
+            <a:spAutoFit/>
+          </a:bodyPr>
+          <a:lstStyle/>
+          <a:p>
+            <a:r>
+              <a:rPr lang="en-US" dirty="0" smtClean="0"/>
+              <a:t>readings/</a:t>
+            </a:r>
+            <a:endParaRPr lang="en-US" dirty="0"/>
+          </a:p>
+        </p:txBody>
+      </p:sp>
     </p:spTree>
     <p:extLst>
       <p:ext uri="{BB962C8B-B14F-4D97-AF65-F5344CB8AC3E}">
-        <p14:creationId xmlns:p14="http://schemas.microsoft.com/office/powerpoint/2010/main" val="319908617"/>
+        <p14:creationId xmlns:p14="http://schemas.microsoft.com/office/powerpoint/2010/main" val="1365018162"/>
       </p:ext>
     </p:extLst>
   </p:cSld>
